--- a/Emerging Tech Presentation Assignment 3 (1).pptx
+++ b/Emerging Tech Presentation Assignment 3 (1).pptx
@@ -9,32 +9,23 @@
   </p:notesMasterIdLst>
   <p:sldIdLst>
     <p:sldId id="256" r:id="rId6"/>
-    <p:sldId id="257" r:id="rId7"/>
-    <p:sldId id="258" r:id="rId8"/>
-    <p:sldId id="259" r:id="rId9"/>
-    <p:sldId id="260" r:id="rId10"/>
-    <p:sldId id="261" r:id="rId11"/>
-    <p:sldId id="262" r:id="rId12"/>
-    <p:sldId id="263" r:id="rId13"/>
-    <p:sldId id="264" r:id="rId14"/>
-    <p:sldId id="265" r:id="rId15"/>
   </p:sldIdLst>
   <p:sldSz cy="5143500" cx="9144000"/>
   <p:notesSz cx="6858000" cy="9144000"/>
   <p:embeddedFontLst>
     <p:embeddedFont>
       <p:font typeface="Raleway"/>
-      <p:regular r:id="rId16"/>
-      <p:bold r:id="rId17"/>
-      <p:italic r:id="rId18"/>
-      <p:boldItalic r:id="rId19"/>
+      <p:regular r:id="rId7"/>
+      <p:bold r:id="rId8"/>
+      <p:italic r:id="rId9"/>
+      <p:boldItalic r:id="rId10"/>
     </p:embeddedFont>
     <p:embeddedFont>
       <p:font typeface="Lato"/>
-      <p:regular r:id="rId20"/>
-      <p:bold r:id="rId21"/>
-      <p:italic r:id="rId22"/>
-      <p:boldItalic r:id="rId23"/>
+      <p:regular r:id="rId11"/>
+      <p:bold r:id="rId12"/>
+      <p:italic r:id="rId13"/>
+      <p:boldItalic r:id="rId14"/>
     </p:embeddedFont>
   </p:embeddedFontLst>
   <p:defaultTextStyle>
@@ -730,106 +721,7 @@
       </p:grpSpPr>
       <p:sp>
         <p:nvSpPr>
-          <p:cNvPr id="83" name="Google Shape;83;p:notes"/>
-          <p:cNvSpPr/>
-          <p:nvPr>
-            <p:ph idx="2" type="sldImg"/>
-          </p:nvPr>
-        </p:nvSpPr>
-        <p:spPr>
-          <a:xfrm>
-            <a:off x="381300" y="685800"/>
-            <a:ext cx="6096075" cy="3429000"/>
-          </a:xfrm>
-          <a:custGeom>
-            <a:rect b="b" l="l" r="r" t="t"/>
-            <a:pathLst>
-              <a:path extrusionOk="0" h="120000" w="120000">
-                <a:moveTo>
-                  <a:pt x="0" y="0"/>
-                </a:moveTo>
-                <a:lnTo>
-                  <a:pt x="120000" y="0"/>
-                </a:lnTo>
-                <a:lnTo>
-                  <a:pt x="120000" y="120000"/>
-                </a:lnTo>
-                <a:lnTo>
-                  <a:pt x="0" y="120000"/>
-                </a:lnTo>
-                <a:close/>
-              </a:path>
-            </a:pathLst>
-          </a:custGeom>
-        </p:spPr>
-      </p:sp>
-      <p:sp>
-        <p:nvSpPr>
-          <p:cNvPr id="84" name="Google Shape;84;p:notes"/>
-          <p:cNvSpPr txBox="1"/>
-          <p:nvPr>
-            <p:ph idx="1" type="body"/>
-          </p:nvPr>
-        </p:nvSpPr>
-        <p:spPr>
-          <a:xfrm>
-            <a:off x="685800" y="4343400"/>
-            <a:ext cx="5486400" cy="4114800"/>
-          </a:xfrm>
-          <a:prstGeom prst="rect">
-            <a:avLst/>
-          </a:prstGeom>
-        </p:spPr>
-        <p:txBody>
-          <a:bodyPr anchorCtr="0" anchor="t" bIns="91425" lIns="91425" spcFirstLastPara="1" rIns="91425" wrap="square" tIns="91425">
-            <a:noAutofit/>
-          </a:bodyPr>
-          <a:lstStyle/>
-          <a:p>
-            <a:pPr indent="0" lvl="0" marL="0" rtl="0" algn="l">
-              <a:spcBef>
-                <a:spcPts val="0"/>
-              </a:spcBef>
-              <a:spcAft>
-                <a:spcPts val="0"/>
-              </a:spcAft>
-              <a:buNone/>
-            </a:pPr>
-            <a:r>
-              <a:t/>
-            </a:r>
-            <a:endParaRPr/>
-          </a:p>
-        </p:txBody>
-      </p:sp>
-    </p:spTree>
-  </p:cSld>
-  <p:clrMapOvr>
-    <a:masterClrMapping/>
-  </p:clrMapOvr>
-</p:notes>
-</file>
-
-<file path=ppt/notesSlides/notesSlide10.xml><?xml version="1.0" encoding="utf-8"?>
-<p:notes xmlns:a="http://schemas.openxmlformats.org/drawingml/2006/main" xmlns:r="http://schemas.openxmlformats.org/officeDocument/2006/relationships" xmlns:mc="http://schemas.openxmlformats.org/markup-compatibility/2006" xmlns:mv="urn:schemas-microsoft-com:mac:vml" xmlns:p="http://schemas.openxmlformats.org/presentationml/2006/main" xmlns:c="http://schemas.openxmlformats.org/drawingml/2006/chart" xmlns:dgm="http://schemas.openxmlformats.org/drawingml/2006/diagram" xmlns:o="urn:schemas-microsoft-com:office:office" xmlns:v="urn:schemas-microsoft-com:vml" xmlns:pvml="urn:schemas-microsoft-com:office:powerpoint" xmlns:com="http://schemas.openxmlformats.org/drawingml/2006/compatibility" xmlns:p14="http://schemas.microsoft.com/office/powerpoint/2010/main" xmlns:p15="http://schemas.microsoft.com/office/powerpoint/2012/main" xmlns:ahyp="http://schemas.microsoft.com/office/drawing/2018/hyperlinkcolor" showMasterPhAnim="0" showMasterSp="0">
-  <p:cSld>
-    <p:spTree>
-      <p:nvGrpSpPr>
-        <p:cNvPr id="137" name="Shape 137"/>
-        <p:cNvGrpSpPr/>
-        <p:nvPr/>
-      </p:nvGrpSpPr>
-      <p:grpSpPr>
-        <a:xfrm>
-          <a:off x="0" y="0"/>
-          <a:ext cx="0" cy="0"/>
-          <a:chOff x="0" y="0"/>
-          <a:chExt cx="0" cy="0"/>
-        </a:xfrm>
-      </p:grpSpPr>
-      <p:sp>
-        <p:nvSpPr>
-          <p:cNvPr id="138" name="Google Shape;138;g212252c9312_0_177:notes"/>
+          <p:cNvPr id="83" name="Google Shape;83;g212252c9312_0_122:notes"/>
           <p:cNvSpPr/>
           <p:nvPr>
             <p:ph idx="2" type="sldImg"/>
@@ -864,7 +756,7 @@
       </p:sp>
       <p:sp>
         <p:nvSpPr>
-          <p:cNvPr id="139" name="Google Shape;139;g212252c9312_0_177:notes"/>
+          <p:cNvPr id="84" name="Google Shape;84;g212252c9312_0_122:notes"/>
           <p:cNvSpPr txBox="1"/>
           <p:nvPr>
             <p:ph idx="1" type="body"/>
@@ -895,880 +787,7 @@
               <a:buNone/>
             </a:pPr>
             <a:r>
-              <a:rPr lang="en"/>
-              <a:t>Jackie</a:t>
-            </a:r>
-            <a:endParaRPr/>
-          </a:p>
-        </p:txBody>
-      </p:sp>
-    </p:spTree>
-  </p:cSld>
-  <p:clrMapOvr>
-    <a:masterClrMapping/>
-  </p:clrMapOvr>
-</p:notes>
-</file>
-
-<file path=ppt/notesSlides/notesSlide2.xml><?xml version="1.0" encoding="utf-8"?>
-<p:notes xmlns:a="http://schemas.openxmlformats.org/drawingml/2006/main" xmlns:r="http://schemas.openxmlformats.org/officeDocument/2006/relationships" xmlns:mc="http://schemas.openxmlformats.org/markup-compatibility/2006" xmlns:mv="urn:schemas-microsoft-com:mac:vml" xmlns:p="http://schemas.openxmlformats.org/presentationml/2006/main" xmlns:c="http://schemas.openxmlformats.org/drawingml/2006/chart" xmlns:dgm="http://schemas.openxmlformats.org/drawingml/2006/diagram" xmlns:o="urn:schemas-microsoft-com:office:office" xmlns:v="urn:schemas-microsoft-com:vml" xmlns:pvml="urn:schemas-microsoft-com:office:powerpoint" xmlns:com="http://schemas.openxmlformats.org/drawingml/2006/compatibility" xmlns:p14="http://schemas.microsoft.com/office/powerpoint/2010/main" xmlns:p15="http://schemas.microsoft.com/office/powerpoint/2012/main" xmlns:ahyp="http://schemas.microsoft.com/office/drawing/2018/hyperlinkcolor" showMasterPhAnim="0" showMasterSp="0">
-  <p:cSld>
-    <p:spTree>
-      <p:nvGrpSpPr>
-        <p:cNvPr id="88" name="Shape 88"/>
-        <p:cNvGrpSpPr/>
-        <p:nvPr/>
-      </p:nvGrpSpPr>
-      <p:grpSpPr>
-        <a:xfrm>
-          <a:off x="0" y="0"/>
-          <a:ext cx="0" cy="0"/>
-          <a:chOff x="0" y="0"/>
-          <a:chExt cx="0" cy="0"/>
-        </a:xfrm>
-      </p:grpSpPr>
-      <p:sp>
-        <p:nvSpPr>
-          <p:cNvPr id="89" name="Google Shape;89;g212252c9312_0_122:notes"/>
-          <p:cNvSpPr/>
-          <p:nvPr>
-            <p:ph idx="2" type="sldImg"/>
-          </p:nvPr>
-        </p:nvSpPr>
-        <p:spPr>
-          <a:xfrm>
-            <a:off x="381300" y="685800"/>
-            <a:ext cx="6096000" cy="3429000"/>
-          </a:xfrm>
-          <a:custGeom>
-            <a:rect b="b" l="l" r="r" t="t"/>
-            <a:pathLst>
-              <a:path extrusionOk="0" h="120000" w="120000">
-                <a:moveTo>
-                  <a:pt x="0" y="0"/>
-                </a:moveTo>
-                <a:lnTo>
-                  <a:pt x="120000" y="0"/>
-                </a:lnTo>
-                <a:lnTo>
-                  <a:pt x="120000" y="120000"/>
-                </a:lnTo>
-                <a:lnTo>
-                  <a:pt x="0" y="120000"/>
-                </a:lnTo>
-                <a:close/>
-              </a:path>
-            </a:pathLst>
-          </a:custGeom>
-        </p:spPr>
-      </p:sp>
-      <p:sp>
-        <p:nvSpPr>
-          <p:cNvPr id="90" name="Google Shape;90;g212252c9312_0_122:notes"/>
-          <p:cNvSpPr txBox="1"/>
-          <p:nvPr>
-            <p:ph idx="1" type="body"/>
-          </p:nvPr>
-        </p:nvSpPr>
-        <p:spPr>
-          <a:xfrm>
-            <a:off x="685800" y="4343400"/>
-            <a:ext cx="5486400" cy="4114800"/>
-          </a:xfrm>
-          <a:prstGeom prst="rect">
-            <a:avLst/>
-          </a:prstGeom>
-        </p:spPr>
-        <p:txBody>
-          <a:bodyPr anchorCtr="0" anchor="t" bIns="91425" lIns="91425" spcFirstLastPara="1" rIns="91425" wrap="square" tIns="91425">
-            <a:noAutofit/>
-          </a:bodyPr>
-          <a:lstStyle/>
-          <a:p>
-            <a:pPr indent="0" lvl="0" marL="0" rtl="0" algn="l">
-              <a:spcBef>
-                <a:spcPts val="0"/>
-              </a:spcBef>
-              <a:spcAft>
-                <a:spcPts val="0"/>
-              </a:spcAft>
-              <a:buNone/>
-            </a:pPr>
-            <a:r>
               <a:t/>
-            </a:r>
-            <a:endParaRPr/>
-          </a:p>
-        </p:txBody>
-      </p:sp>
-    </p:spTree>
-  </p:cSld>
-  <p:clrMapOvr>
-    <a:masterClrMapping/>
-  </p:clrMapOvr>
-</p:notes>
-</file>
-
-<file path=ppt/notesSlides/notesSlide3.xml><?xml version="1.0" encoding="utf-8"?>
-<p:notes xmlns:a="http://schemas.openxmlformats.org/drawingml/2006/main" xmlns:r="http://schemas.openxmlformats.org/officeDocument/2006/relationships" xmlns:mc="http://schemas.openxmlformats.org/markup-compatibility/2006" xmlns:mv="urn:schemas-microsoft-com:mac:vml" xmlns:p="http://schemas.openxmlformats.org/presentationml/2006/main" xmlns:c="http://schemas.openxmlformats.org/drawingml/2006/chart" xmlns:dgm="http://schemas.openxmlformats.org/drawingml/2006/diagram" xmlns:o="urn:schemas-microsoft-com:office:office" xmlns:v="urn:schemas-microsoft-com:vml" xmlns:pvml="urn:schemas-microsoft-com:office:powerpoint" xmlns:com="http://schemas.openxmlformats.org/drawingml/2006/compatibility" xmlns:p14="http://schemas.microsoft.com/office/powerpoint/2010/main" xmlns:p15="http://schemas.microsoft.com/office/powerpoint/2012/main" xmlns:ahyp="http://schemas.microsoft.com/office/drawing/2018/hyperlinkcolor" showMasterPhAnim="0" showMasterSp="0">
-  <p:cSld>
-    <p:spTree>
-      <p:nvGrpSpPr>
-        <p:cNvPr id="94" name="Shape 94"/>
-        <p:cNvGrpSpPr/>
-        <p:nvPr/>
-      </p:nvGrpSpPr>
-      <p:grpSpPr>
-        <a:xfrm>
-          <a:off x="0" y="0"/>
-          <a:ext cx="0" cy="0"/>
-          <a:chOff x="0" y="0"/>
-          <a:chExt cx="0" cy="0"/>
-        </a:xfrm>
-      </p:grpSpPr>
-      <p:sp>
-        <p:nvSpPr>
-          <p:cNvPr id="95" name="Google Shape;95;g212252c9312_0_127:notes"/>
-          <p:cNvSpPr/>
-          <p:nvPr>
-            <p:ph idx="2" type="sldImg"/>
-          </p:nvPr>
-        </p:nvSpPr>
-        <p:spPr>
-          <a:xfrm>
-            <a:off x="381300" y="685800"/>
-            <a:ext cx="6096000" cy="3429000"/>
-          </a:xfrm>
-          <a:custGeom>
-            <a:rect b="b" l="l" r="r" t="t"/>
-            <a:pathLst>
-              <a:path extrusionOk="0" h="120000" w="120000">
-                <a:moveTo>
-                  <a:pt x="0" y="0"/>
-                </a:moveTo>
-                <a:lnTo>
-                  <a:pt x="120000" y="0"/>
-                </a:lnTo>
-                <a:lnTo>
-                  <a:pt x="120000" y="120000"/>
-                </a:lnTo>
-                <a:lnTo>
-                  <a:pt x="0" y="120000"/>
-                </a:lnTo>
-                <a:close/>
-              </a:path>
-            </a:pathLst>
-          </a:custGeom>
-        </p:spPr>
-      </p:sp>
-      <p:sp>
-        <p:nvSpPr>
-          <p:cNvPr id="96" name="Google Shape;96;g212252c9312_0_127:notes"/>
-          <p:cNvSpPr txBox="1"/>
-          <p:nvPr>
-            <p:ph idx="1" type="body"/>
-          </p:nvPr>
-        </p:nvSpPr>
-        <p:spPr>
-          <a:xfrm>
-            <a:off x="685800" y="4343400"/>
-            <a:ext cx="5486400" cy="4114800"/>
-          </a:xfrm>
-          <a:prstGeom prst="rect">
-            <a:avLst/>
-          </a:prstGeom>
-        </p:spPr>
-        <p:txBody>
-          <a:bodyPr anchorCtr="0" anchor="t" bIns="91425" lIns="91425" spcFirstLastPara="1" rIns="91425" wrap="square" tIns="91425">
-            <a:noAutofit/>
-          </a:bodyPr>
-          <a:lstStyle/>
-          <a:p>
-            <a:pPr indent="0" lvl="0" marL="0" rtl="0" algn="l">
-              <a:spcBef>
-                <a:spcPts val="0"/>
-              </a:spcBef>
-              <a:spcAft>
-                <a:spcPts val="0"/>
-              </a:spcAft>
-              <a:buNone/>
-            </a:pPr>
-            <a:r>
-              <a:t/>
-            </a:r>
-            <a:endParaRPr/>
-          </a:p>
-        </p:txBody>
-      </p:sp>
-    </p:spTree>
-  </p:cSld>
-  <p:clrMapOvr>
-    <a:masterClrMapping/>
-  </p:clrMapOvr>
-</p:notes>
-</file>
-
-<file path=ppt/notesSlides/notesSlide4.xml><?xml version="1.0" encoding="utf-8"?>
-<p:notes xmlns:a="http://schemas.openxmlformats.org/drawingml/2006/main" xmlns:r="http://schemas.openxmlformats.org/officeDocument/2006/relationships" xmlns:mc="http://schemas.openxmlformats.org/markup-compatibility/2006" xmlns:mv="urn:schemas-microsoft-com:mac:vml" xmlns:p="http://schemas.openxmlformats.org/presentationml/2006/main" xmlns:c="http://schemas.openxmlformats.org/drawingml/2006/chart" xmlns:dgm="http://schemas.openxmlformats.org/drawingml/2006/diagram" xmlns:o="urn:schemas-microsoft-com:office:office" xmlns:v="urn:schemas-microsoft-com:vml" xmlns:pvml="urn:schemas-microsoft-com:office:powerpoint" xmlns:com="http://schemas.openxmlformats.org/drawingml/2006/compatibility" xmlns:p14="http://schemas.microsoft.com/office/powerpoint/2010/main" xmlns:p15="http://schemas.microsoft.com/office/powerpoint/2012/main" xmlns:ahyp="http://schemas.microsoft.com/office/drawing/2018/hyperlinkcolor" showMasterPhAnim="0" showMasterSp="0">
-  <p:cSld>
-    <p:spTree>
-      <p:nvGrpSpPr>
-        <p:cNvPr id="100" name="Shape 100"/>
-        <p:cNvGrpSpPr/>
-        <p:nvPr/>
-      </p:nvGrpSpPr>
-      <p:grpSpPr>
-        <a:xfrm>
-          <a:off x="0" y="0"/>
-          <a:ext cx="0" cy="0"/>
-          <a:chOff x="0" y="0"/>
-          <a:chExt cx="0" cy="0"/>
-        </a:xfrm>
-      </p:grpSpPr>
-      <p:sp>
-        <p:nvSpPr>
-          <p:cNvPr id="101" name="Google Shape;101;g212252c9312_0_132:notes"/>
-          <p:cNvSpPr/>
-          <p:nvPr>
-            <p:ph idx="2" type="sldImg"/>
-          </p:nvPr>
-        </p:nvSpPr>
-        <p:spPr>
-          <a:xfrm>
-            <a:off x="381300" y="685800"/>
-            <a:ext cx="6096000" cy="3429000"/>
-          </a:xfrm>
-          <a:custGeom>
-            <a:rect b="b" l="l" r="r" t="t"/>
-            <a:pathLst>
-              <a:path extrusionOk="0" h="120000" w="120000">
-                <a:moveTo>
-                  <a:pt x="0" y="0"/>
-                </a:moveTo>
-                <a:lnTo>
-                  <a:pt x="120000" y="0"/>
-                </a:lnTo>
-                <a:lnTo>
-                  <a:pt x="120000" y="120000"/>
-                </a:lnTo>
-                <a:lnTo>
-                  <a:pt x="0" y="120000"/>
-                </a:lnTo>
-                <a:close/>
-              </a:path>
-            </a:pathLst>
-          </a:custGeom>
-        </p:spPr>
-      </p:sp>
-      <p:sp>
-        <p:nvSpPr>
-          <p:cNvPr id="102" name="Google Shape;102;g212252c9312_0_132:notes"/>
-          <p:cNvSpPr txBox="1"/>
-          <p:nvPr>
-            <p:ph idx="1" type="body"/>
-          </p:nvPr>
-        </p:nvSpPr>
-        <p:spPr>
-          <a:xfrm>
-            <a:off x="685800" y="4343400"/>
-            <a:ext cx="5486400" cy="4114800"/>
-          </a:xfrm>
-          <a:prstGeom prst="rect">
-            <a:avLst/>
-          </a:prstGeom>
-        </p:spPr>
-        <p:txBody>
-          <a:bodyPr anchorCtr="0" anchor="t" bIns="91425" lIns="91425" spcFirstLastPara="1" rIns="91425" wrap="square" tIns="91425">
-            <a:noAutofit/>
-          </a:bodyPr>
-          <a:lstStyle/>
-          <a:p>
-            <a:pPr indent="0" lvl="0" marL="0" rtl="0" algn="l">
-              <a:spcBef>
-                <a:spcPts val="0"/>
-              </a:spcBef>
-              <a:spcAft>
-                <a:spcPts val="0"/>
-              </a:spcAft>
-              <a:buNone/>
-            </a:pPr>
-            <a:r>
-              <a:t/>
-            </a:r>
-            <a:endParaRPr/>
-          </a:p>
-        </p:txBody>
-      </p:sp>
-    </p:spTree>
-  </p:cSld>
-  <p:clrMapOvr>
-    <a:masterClrMapping/>
-  </p:clrMapOvr>
-</p:notes>
-</file>
-
-<file path=ppt/notesSlides/notesSlide5.xml><?xml version="1.0" encoding="utf-8"?>
-<p:notes xmlns:a="http://schemas.openxmlformats.org/drawingml/2006/main" xmlns:r="http://schemas.openxmlformats.org/officeDocument/2006/relationships" xmlns:mc="http://schemas.openxmlformats.org/markup-compatibility/2006" xmlns:mv="urn:schemas-microsoft-com:mac:vml" xmlns:p="http://schemas.openxmlformats.org/presentationml/2006/main" xmlns:c="http://schemas.openxmlformats.org/drawingml/2006/chart" xmlns:dgm="http://schemas.openxmlformats.org/drawingml/2006/diagram" xmlns:o="urn:schemas-microsoft-com:office:office" xmlns:v="urn:schemas-microsoft-com:vml" xmlns:pvml="urn:schemas-microsoft-com:office:powerpoint" xmlns:com="http://schemas.openxmlformats.org/drawingml/2006/compatibility" xmlns:p14="http://schemas.microsoft.com/office/powerpoint/2010/main" xmlns:p15="http://schemas.microsoft.com/office/powerpoint/2012/main" xmlns:ahyp="http://schemas.microsoft.com/office/drawing/2018/hyperlinkcolor" showMasterPhAnim="0" showMasterSp="0">
-  <p:cSld>
-    <p:spTree>
-      <p:nvGrpSpPr>
-        <p:cNvPr id="106" name="Shape 106"/>
-        <p:cNvGrpSpPr/>
-        <p:nvPr/>
-      </p:nvGrpSpPr>
-      <p:grpSpPr>
-        <a:xfrm>
-          <a:off x="0" y="0"/>
-          <a:ext cx="0" cy="0"/>
-          <a:chOff x="0" y="0"/>
-          <a:chExt cx="0" cy="0"/>
-        </a:xfrm>
-      </p:grpSpPr>
-      <p:sp>
-        <p:nvSpPr>
-          <p:cNvPr id="107" name="Google Shape;107;g212252c9312_0_137:notes"/>
-          <p:cNvSpPr/>
-          <p:nvPr>
-            <p:ph idx="2" type="sldImg"/>
-          </p:nvPr>
-        </p:nvSpPr>
-        <p:spPr>
-          <a:xfrm>
-            <a:off x="381300" y="685800"/>
-            <a:ext cx="6096000" cy="3429000"/>
-          </a:xfrm>
-          <a:custGeom>
-            <a:rect b="b" l="l" r="r" t="t"/>
-            <a:pathLst>
-              <a:path extrusionOk="0" h="120000" w="120000">
-                <a:moveTo>
-                  <a:pt x="0" y="0"/>
-                </a:moveTo>
-                <a:lnTo>
-                  <a:pt x="120000" y="0"/>
-                </a:lnTo>
-                <a:lnTo>
-                  <a:pt x="120000" y="120000"/>
-                </a:lnTo>
-                <a:lnTo>
-                  <a:pt x="0" y="120000"/>
-                </a:lnTo>
-                <a:close/>
-              </a:path>
-            </a:pathLst>
-          </a:custGeom>
-        </p:spPr>
-      </p:sp>
-      <p:sp>
-        <p:nvSpPr>
-          <p:cNvPr id="108" name="Google Shape;108;g212252c9312_0_137:notes"/>
-          <p:cNvSpPr txBox="1"/>
-          <p:nvPr>
-            <p:ph idx="1" type="body"/>
-          </p:nvPr>
-        </p:nvSpPr>
-        <p:spPr>
-          <a:xfrm>
-            <a:off x="685800" y="4343400"/>
-            <a:ext cx="5486400" cy="4114800"/>
-          </a:xfrm>
-          <a:prstGeom prst="rect">
-            <a:avLst/>
-          </a:prstGeom>
-        </p:spPr>
-        <p:txBody>
-          <a:bodyPr anchorCtr="0" anchor="t" bIns="91425" lIns="91425" spcFirstLastPara="1" rIns="91425" wrap="square" tIns="91425">
-            <a:noAutofit/>
-          </a:bodyPr>
-          <a:lstStyle/>
-          <a:p>
-            <a:pPr indent="0" lvl="0" marL="0" rtl="0" algn="l">
-              <a:spcBef>
-                <a:spcPts val="0"/>
-              </a:spcBef>
-              <a:spcAft>
-                <a:spcPts val="0"/>
-              </a:spcAft>
-              <a:buNone/>
-            </a:pPr>
-            <a:r>
-              <a:t/>
-            </a:r>
-            <a:endParaRPr/>
-          </a:p>
-        </p:txBody>
-      </p:sp>
-    </p:spTree>
-  </p:cSld>
-  <p:clrMapOvr>
-    <a:masterClrMapping/>
-  </p:clrMapOvr>
-</p:notes>
-</file>
-
-<file path=ppt/notesSlides/notesSlide6.xml><?xml version="1.0" encoding="utf-8"?>
-<p:notes xmlns:a="http://schemas.openxmlformats.org/drawingml/2006/main" xmlns:r="http://schemas.openxmlformats.org/officeDocument/2006/relationships" xmlns:mc="http://schemas.openxmlformats.org/markup-compatibility/2006" xmlns:mv="urn:schemas-microsoft-com:mac:vml" xmlns:p="http://schemas.openxmlformats.org/presentationml/2006/main" xmlns:c="http://schemas.openxmlformats.org/drawingml/2006/chart" xmlns:dgm="http://schemas.openxmlformats.org/drawingml/2006/diagram" xmlns:o="urn:schemas-microsoft-com:office:office" xmlns:v="urn:schemas-microsoft-com:vml" xmlns:pvml="urn:schemas-microsoft-com:office:powerpoint" xmlns:com="http://schemas.openxmlformats.org/drawingml/2006/compatibility" xmlns:p14="http://schemas.microsoft.com/office/powerpoint/2010/main" xmlns:p15="http://schemas.microsoft.com/office/powerpoint/2012/main" xmlns:ahyp="http://schemas.microsoft.com/office/drawing/2018/hyperlinkcolor" showMasterPhAnim="0" showMasterSp="0">
-  <p:cSld>
-    <p:spTree>
-      <p:nvGrpSpPr>
-        <p:cNvPr id="112" name="Shape 112"/>
-        <p:cNvGrpSpPr/>
-        <p:nvPr/>
-      </p:nvGrpSpPr>
-      <p:grpSpPr>
-        <a:xfrm>
-          <a:off x="0" y="0"/>
-          <a:ext cx="0" cy="0"/>
-          <a:chOff x="0" y="0"/>
-          <a:chExt cx="0" cy="0"/>
-        </a:xfrm>
-      </p:grpSpPr>
-      <p:sp>
-        <p:nvSpPr>
-          <p:cNvPr id="113" name="Google Shape;113;g212252c9312_0_142:notes"/>
-          <p:cNvSpPr/>
-          <p:nvPr>
-            <p:ph idx="2" type="sldImg"/>
-          </p:nvPr>
-        </p:nvSpPr>
-        <p:spPr>
-          <a:xfrm>
-            <a:off x="381300" y="685800"/>
-            <a:ext cx="6096000" cy="3429000"/>
-          </a:xfrm>
-          <a:custGeom>
-            <a:rect b="b" l="l" r="r" t="t"/>
-            <a:pathLst>
-              <a:path extrusionOk="0" h="120000" w="120000">
-                <a:moveTo>
-                  <a:pt x="0" y="0"/>
-                </a:moveTo>
-                <a:lnTo>
-                  <a:pt x="120000" y="0"/>
-                </a:lnTo>
-                <a:lnTo>
-                  <a:pt x="120000" y="120000"/>
-                </a:lnTo>
-                <a:lnTo>
-                  <a:pt x="0" y="120000"/>
-                </a:lnTo>
-                <a:close/>
-              </a:path>
-            </a:pathLst>
-          </a:custGeom>
-        </p:spPr>
-      </p:sp>
-      <p:sp>
-        <p:nvSpPr>
-          <p:cNvPr id="114" name="Google Shape;114;g212252c9312_0_142:notes"/>
-          <p:cNvSpPr txBox="1"/>
-          <p:nvPr>
-            <p:ph idx="1" type="body"/>
-          </p:nvPr>
-        </p:nvSpPr>
-        <p:spPr>
-          <a:xfrm>
-            <a:off x="685800" y="4343400"/>
-            <a:ext cx="5486400" cy="4114800"/>
-          </a:xfrm>
-          <a:prstGeom prst="rect">
-            <a:avLst/>
-          </a:prstGeom>
-        </p:spPr>
-        <p:txBody>
-          <a:bodyPr anchorCtr="0" anchor="t" bIns="91425" lIns="91425" spcFirstLastPara="1" rIns="91425" wrap="square" tIns="91425">
-            <a:noAutofit/>
-          </a:bodyPr>
-          <a:lstStyle/>
-          <a:p>
-            <a:pPr indent="0" lvl="0" marL="0" rtl="0" algn="l">
-              <a:spcBef>
-                <a:spcPts val="0"/>
-              </a:spcBef>
-              <a:spcAft>
-                <a:spcPts val="0"/>
-              </a:spcAft>
-              <a:buNone/>
-            </a:pPr>
-            <a:r>
-              <a:t/>
-            </a:r>
-            <a:endParaRPr/>
-          </a:p>
-        </p:txBody>
-      </p:sp>
-    </p:spTree>
-  </p:cSld>
-  <p:clrMapOvr>
-    <a:masterClrMapping/>
-  </p:clrMapOvr>
-</p:notes>
-</file>
-
-<file path=ppt/notesSlides/notesSlide7.xml><?xml version="1.0" encoding="utf-8"?>
-<p:notes xmlns:a="http://schemas.openxmlformats.org/drawingml/2006/main" xmlns:r="http://schemas.openxmlformats.org/officeDocument/2006/relationships" xmlns:mc="http://schemas.openxmlformats.org/markup-compatibility/2006" xmlns:mv="urn:schemas-microsoft-com:mac:vml" xmlns:p="http://schemas.openxmlformats.org/presentationml/2006/main" xmlns:c="http://schemas.openxmlformats.org/drawingml/2006/chart" xmlns:dgm="http://schemas.openxmlformats.org/drawingml/2006/diagram" xmlns:o="urn:schemas-microsoft-com:office:office" xmlns:v="urn:schemas-microsoft-com:vml" xmlns:pvml="urn:schemas-microsoft-com:office:powerpoint" xmlns:com="http://schemas.openxmlformats.org/drawingml/2006/compatibility" xmlns:p14="http://schemas.microsoft.com/office/powerpoint/2010/main" xmlns:p15="http://schemas.microsoft.com/office/powerpoint/2012/main" xmlns:ahyp="http://schemas.microsoft.com/office/drawing/2018/hyperlinkcolor" showMasterPhAnim="0" showMasterSp="0">
-  <p:cSld>
-    <p:spTree>
-      <p:nvGrpSpPr>
-        <p:cNvPr id="118" name="Shape 118"/>
-        <p:cNvGrpSpPr/>
-        <p:nvPr/>
-      </p:nvGrpSpPr>
-      <p:grpSpPr>
-        <a:xfrm>
-          <a:off x="0" y="0"/>
-          <a:ext cx="0" cy="0"/>
-          <a:chOff x="0" y="0"/>
-          <a:chExt cx="0" cy="0"/>
-        </a:xfrm>
-      </p:grpSpPr>
-      <p:sp>
-        <p:nvSpPr>
-          <p:cNvPr id="119" name="Google Shape;119;g212252c9312_0_153:notes"/>
-          <p:cNvSpPr/>
-          <p:nvPr>
-            <p:ph idx="2" type="sldImg"/>
-          </p:nvPr>
-        </p:nvSpPr>
-        <p:spPr>
-          <a:xfrm>
-            <a:off x="381300" y="685800"/>
-            <a:ext cx="6096000" cy="3429000"/>
-          </a:xfrm>
-          <a:custGeom>
-            <a:rect b="b" l="l" r="r" t="t"/>
-            <a:pathLst>
-              <a:path extrusionOk="0" h="120000" w="120000">
-                <a:moveTo>
-                  <a:pt x="0" y="0"/>
-                </a:moveTo>
-                <a:lnTo>
-                  <a:pt x="120000" y="0"/>
-                </a:lnTo>
-                <a:lnTo>
-                  <a:pt x="120000" y="120000"/>
-                </a:lnTo>
-                <a:lnTo>
-                  <a:pt x="0" y="120000"/>
-                </a:lnTo>
-                <a:close/>
-              </a:path>
-            </a:pathLst>
-          </a:custGeom>
-        </p:spPr>
-      </p:sp>
-      <p:sp>
-        <p:nvSpPr>
-          <p:cNvPr id="120" name="Google Shape;120;g212252c9312_0_153:notes"/>
-          <p:cNvSpPr txBox="1"/>
-          <p:nvPr>
-            <p:ph idx="1" type="body"/>
-          </p:nvPr>
-        </p:nvSpPr>
-        <p:spPr>
-          <a:xfrm>
-            <a:off x="685800" y="4343400"/>
-            <a:ext cx="5486400" cy="4114800"/>
-          </a:xfrm>
-          <a:prstGeom prst="rect">
-            <a:avLst/>
-          </a:prstGeom>
-        </p:spPr>
-        <p:txBody>
-          <a:bodyPr anchorCtr="0" anchor="t" bIns="91425" lIns="91425" spcFirstLastPara="1" rIns="91425" wrap="square" tIns="91425">
-            <a:noAutofit/>
-          </a:bodyPr>
-          <a:lstStyle/>
-          <a:p>
-            <a:pPr indent="0" lvl="0" marL="0" rtl="0" algn="l">
-              <a:spcBef>
-                <a:spcPts val="0"/>
-              </a:spcBef>
-              <a:spcAft>
-                <a:spcPts val="0"/>
-              </a:spcAft>
-              <a:buNone/>
-            </a:pPr>
-            <a:r>
-              <a:rPr lang="en"/>
-              <a:t>Jackie</a:t>
-            </a:r>
-            <a:endParaRPr/>
-          </a:p>
-          <a:p>
-            <a:pPr indent="0" lvl="0" marL="0" rtl="0" algn="l">
-              <a:spcBef>
-                <a:spcPts val="0"/>
-              </a:spcBef>
-              <a:spcAft>
-                <a:spcPts val="0"/>
-              </a:spcAft>
-              <a:buClr>
-                <a:schemeClr val="dk1"/>
-              </a:buClr>
-              <a:buSzPts val="1100"/>
-              <a:buFont typeface="Arial"/>
-              <a:buNone/>
-            </a:pPr>
-            <a:r>
-              <a:rPr lang="en" sz="1250">
-                <a:solidFill>
-                  <a:schemeClr val="dk1"/>
-                </a:solidFill>
-                <a:highlight>
-                  <a:srgbClr val="F2F2F2"/>
-                </a:highlight>
-              </a:rPr>
-              <a:t>Project progression in comparison to the first assignment.</a:t>
-            </a:r>
-            <a:endParaRPr sz="1250">
-              <a:solidFill>
-                <a:schemeClr val="dk1"/>
-              </a:solidFill>
-              <a:highlight>
-                <a:srgbClr val="F2F2F2"/>
-              </a:highlight>
-            </a:endParaRPr>
-          </a:p>
-          <a:p>
-            <a:pPr indent="0" lvl="0" marL="0" rtl="0" algn="l">
-              <a:spcBef>
-                <a:spcPts val="0"/>
-              </a:spcBef>
-              <a:spcAft>
-                <a:spcPts val="0"/>
-              </a:spcAft>
-              <a:buClr>
-                <a:schemeClr val="dk1"/>
-              </a:buClr>
-              <a:buSzPts val="1100"/>
-              <a:buFont typeface="Arial"/>
-              <a:buNone/>
-            </a:pPr>
-            <a:r>
-              <a:t/>
-            </a:r>
-            <a:endParaRPr sz="1250">
-              <a:solidFill>
-                <a:schemeClr val="dk1"/>
-              </a:solidFill>
-              <a:highlight>
-                <a:srgbClr val="F2F2F2"/>
-              </a:highlight>
-            </a:endParaRPr>
-          </a:p>
-          <a:p>
-            <a:pPr indent="0" lvl="0" marL="0" rtl="0" algn="l">
-              <a:spcBef>
-                <a:spcPts val="0"/>
-              </a:spcBef>
-              <a:spcAft>
-                <a:spcPts val="0"/>
-              </a:spcAft>
-              <a:buNone/>
-            </a:pPr>
-            <a:r>
-              <a:t/>
-            </a:r>
-            <a:endParaRPr/>
-          </a:p>
-        </p:txBody>
-      </p:sp>
-    </p:spTree>
-  </p:cSld>
-  <p:clrMapOvr>
-    <a:masterClrMapping/>
-  </p:clrMapOvr>
-</p:notes>
-</file>
-
-<file path=ppt/notesSlides/notesSlide8.xml><?xml version="1.0" encoding="utf-8"?>
-<p:notes xmlns:a="http://schemas.openxmlformats.org/drawingml/2006/main" xmlns:r="http://schemas.openxmlformats.org/officeDocument/2006/relationships" xmlns:mc="http://schemas.openxmlformats.org/markup-compatibility/2006" xmlns:mv="urn:schemas-microsoft-com:mac:vml" xmlns:p="http://schemas.openxmlformats.org/presentationml/2006/main" xmlns:c="http://schemas.openxmlformats.org/drawingml/2006/chart" xmlns:dgm="http://schemas.openxmlformats.org/drawingml/2006/diagram" xmlns:o="urn:schemas-microsoft-com:office:office" xmlns:v="urn:schemas-microsoft-com:vml" xmlns:pvml="urn:schemas-microsoft-com:office:powerpoint" xmlns:com="http://schemas.openxmlformats.org/drawingml/2006/compatibility" xmlns:p14="http://schemas.microsoft.com/office/powerpoint/2010/main" xmlns:p15="http://schemas.microsoft.com/office/powerpoint/2012/main" xmlns:ahyp="http://schemas.microsoft.com/office/drawing/2018/hyperlinkcolor" showMasterPhAnim="0" showMasterSp="0">
-  <p:cSld>
-    <p:spTree>
-      <p:nvGrpSpPr>
-        <p:cNvPr id="125" name="Shape 125"/>
-        <p:cNvGrpSpPr/>
-        <p:nvPr/>
-      </p:nvGrpSpPr>
-      <p:grpSpPr>
-        <a:xfrm>
-          <a:off x="0" y="0"/>
-          <a:ext cx="0" cy="0"/>
-          <a:chOff x="0" y="0"/>
-          <a:chExt cx="0" cy="0"/>
-        </a:xfrm>
-      </p:grpSpPr>
-      <p:sp>
-        <p:nvSpPr>
-          <p:cNvPr id="126" name="Google Shape;126;g212252c9312_0_163:notes"/>
-          <p:cNvSpPr/>
-          <p:nvPr>
-            <p:ph idx="2" type="sldImg"/>
-          </p:nvPr>
-        </p:nvSpPr>
-        <p:spPr>
-          <a:xfrm>
-            <a:off x="381300" y="685800"/>
-            <a:ext cx="6096000" cy="3429000"/>
-          </a:xfrm>
-          <a:custGeom>
-            <a:rect b="b" l="l" r="r" t="t"/>
-            <a:pathLst>
-              <a:path extrusionOk="0" h="120000" w="120000">
-                <a:moveTo>
-                  <a:pt x="0" y="0"/>
-                </a:moveTo>
-                <a:lnTo>
-                  <a:pt x="120000" y="0"/>
-                </a:lnTo>
-                <a:lnTo>
-                  <a:pt x="120000" y="120000"/>
-                </a:lnTo>
-                <a:lnTo>
-                  <a:pt x="0" y="120000"/>
-                </a:lnTo>
-                <a:close/>
-              </a:path>
-            </a:pathLst>
-          </a:custGeom>
-        </p:spPr>
-      </p:sp>
-      <p:sp>
-        <p:nvSpPr>
-          <p:cNvPr id="127" name="Google Shape;127;g212252c9312_0_163:notes"/>
-          <p:cNvSpPr txBox="1"/>
-          <p:nvPr>
-            <p:ph idx="1" type="body"/>
-          </p:nvPr>
-        </p:nvSpPr>
-        <p:spPr>
-          <a:xfrm>
-            <a:off x="685800" y="4343400"/>
-            <a:ext cx="5486400" cy="4114800"/>
-          </a:xfrm>
-          <a:prstGeom prst="rect">
-            <a:avLst/>
-          </a:prstGeom>
-        </p:spPr>
-        <p:txBody>
-          <a:bodyPr anchorCtr="0" anchor="t" bIns="91425" lIns="91425" spcFirstLastPara="1" rIns="91425" wrap="square" tIns="91425">
-            <a:noAutofit/>
-          </a:bodyPr>
-          <a:lstStyle/>
-          <a:p>
-            <a:pPr indent="0" lvl="0" marL="0" rtl="0" algn="l">
-              <a:spcBef>
-                <a:spcPts val="0"/>
-              </a:spcBef>
-              <a:spcAft>
-                <a:spcPts val="0"/>
-              </a:spcAft>
-              <a:buNone/>
-            </a:pPr>
-            <a:r>
-              <a:rPr lang="en"/>
-              <a:t>Jackie</a:t>
-            </a:r>
-            <a:endParaRPr/>
-          </a:p>
-        </p:txBody>
-      </p:sp>
-    </p:spTree>
-  </p:cSld>
-  <p:clrMapOvr>
-    <a:masterClrMapping/>
-  </p:clrMapOvr>
-</p:notes>
-</file>
-
-<file path=ppt/notesSlides/notesSlide9.xml><?xml version="1.0" encoding="utf-8"?>
-<p:notes xmlns:a="http://schemas.openxmlformats.org/drawingml/2006/main" xmlns:r="http://schemas.openxmlformats.org/officeDocument/2006/relationships" xmlns:mc="http://schemas.openxmlformats.org/markup-compatibility/2006" xmlns:mv="urn:schemas-microsoft-com:mac:vml" xmlns:p="http://schemas.openxmlformats.org/presentationml/2006/main" xmlns:c="http://schemas.openxmlformats.org/drawingml/2006/chart" xmlns:dgm="http://schemas.openxmlformats.org/drawingml/2006/diagram" xmlns:o="urn:schemas-microsoft-com:office:office" xmlns:v="urn:schemas-microsoft-com:vml" xmlns:pvml="urn:schemas-microsoft-com:office:powerpoint" xmlns:com="http://schemas.openxmlformats.org/drawingml/2006/compatibility" xmlns:p14="http://schemas.microsoft.com/office/powerpoint/2010/main" xmlns:p15="http://schemas.microsoft.com/office/powerpoint/2012/main" xmlns:ahyp="http://schemas.microsoft.com/office/drawing/2018/hyperlinkcolor" showMasterPhAnim="0" showMasterSp="0">
-  <p:cSld>
-    <p:spTree>
-      <p:nvGrpSpPr>
-        <p:cNvPr id="131" name="Shape 131"/>
-        <p:cNvGrpSpPr/>
-        <p:nvPr/>
-      </p:nvGrpSpPr>
-      <p:grpSpPr>
-        <a:xfrm>
-          <a:off x="0" y="0"/>
-          <a:ext cx="0" cy="0"/>
-          <a:chOff x="0" y="0"/>
-          <a:chExt cx="0" cy="0"/>
-        </a:xfrm>
-      </p:grpSpPr>
-      <p:sp>
-        <p:nvSpPr>
-          <p:cNvPr id="132" name="Google Shape;132;g212252c9312_0_158:notes"/>
-          <p:cNvSpPr/>
-          <p:nvPr>
-            <p:ph idx="2" type="sldImg"/>
-          </p:nvPr>
-        </p:nvSpPr>
-        <p:spPr>
-          <a:xfrm>
-            <a:off x="381300" y="685800"/>
-            <a:ext cx="6096000" cy="3429000"/>
-          </a:xfrm>
-          <a:custGeom>
-            <a:rect b="b" l="l" r="r" t="t"/>
-            <a:pathLst>
-              <a:path extrusionOk="0" h="120000" w="120000">
-                <a:moveTo>
-                  <a:pt x="0" y="0"/>
-                </a:moveTo>
-                <a:lnTo>
-                  <a:pt x="120000" y="0"/>
-                </a:lnTo>
-                <a:lnTo>
-                  <a:pt x="120000" y="120000"/>
-                </a:lnTo>
-                <a:lnTo>
-                  <a:pt x="0" y="120000"/>
-                </a:lnTo>
-                <a:close/>
-              </a:path>
-            </a:pathLst>
-          </a:custGeom>
-        </p:spPr>
-      </p:sp>
-      <p:sp>
-        <p:nvSpPr>
-          <p:cNvPr id="133" name="Google Shape;133;g212252c9312_0_158:notes"/>
-          <p:cNvSpPr txBox="1"/>
-          <p:nvPr>
-            <p:ph idx="1" type="body"/>
-          </p:nvPr>
-        </p:nvSpPr>
-        <p:spPr>
-          <a:xfrm>
-            <a:off x="685800" y="4343400"/>
-            <a:ext cx="5486400" cy="4114800"/>
-          </a:xfrm>
-          <a:prstGeom prst="rect">
-            <a:avLst/>
-          </a:prstGeom>
-        </p:spPr>
-        <p:txBody>
-          <a:bodyPr anchorCtr="0" anchor="t" bIns="91425" lIns="91425" spcFirstLastPara="1" rIns="91425" wrap="square" tIns="91425">
-            <a:noAutofit/>
-          </a:bodyPr>
-          <a:lstStyle/>
-          <a:p>
-            <a:pPr indent="0" lvl="0" marL="0" rtl="0" algn="l">
-              <a:spcBef>
-                <a:spcPts val="0"/>
-              </a:spcBef>
-              <a:spcAft>
-                <a:spcPts val="0"/>
-              </a:spcAft>
-              <a:buNone/>
-            </a:pPr>
-            <a:r>
-              <a:rPr lang="en"/>
-              <a:t>Jackie</a:t>
             </a:r>
             <a:endParaRPr/>
           </a:p>
@@ -8091,13 +7110,13 @@
           <p:cNvPr id="86" name="Google Shape;86;p13"/>
           <p:cNvSpPr txBox="1"/>
           <p:nvPr>
-            <p:ph type="ctrTitle"/>
+            <p:ph type="title"/>
           </p:nvPr>
         </p:nvSpPr>
         <p:spPr>
           <a:xfrm>
-            <a:off x="729450" y="1322450"/>
-            <a:ext cx="7688100" cy="1664700"/>
+            <a:off x="727650" y="578575"/>
+            <a:ext cx="7688700" cy="535200"/>
           </a:xfrm>
           <a:prstGeom prst="rect">
             <a:avLst/>
@@ -8105,7 +7124,7 @@
         </p:spPr>
         <p:txBody>
           <a:bodyPr anchorCtr="0" anchor="t" bIns="91425" lIns="91425" spcFirstLastPara="1" rIns="91425" wrap="square" tIns="91425">
-            <a:normAutofit/>
+            <a:noAutofit/>
           </a:bodyPr>
           <a:lstStyle/>
           <a:p>
@@ -8119,10 +7138,25 @@
               <a:buNone/>
             </a:pPr>
             <a:r>
-              <a:rPr lang="en"/>
-              <a:t>Hand Gestures to control video call features</a:t>
+              <a:rPr lang="en" sz="2400"/>
+              <a:t>Hand Gestures to Control Video Call Features</a:t>
             </a:r>
-            <a:endParaRPr/>
+            <a:endParaRPr sz="2400"/>
+          </a:p>
+          <a:p>
+            <a:pPr indent="0" lvl="0" marL="0" rtl="0" algn="l">
+              <a:spcBef>
+                <a:spcPts val="0"/>
+              </a:spcBef>
+              <a:spcAft>
+                <a:spcPts val="0"/>
+              </a:spcAft>
+              <a:buNone/>
+            </a:pPr>
+            <a:r>
+              <a:t/>
+            </a:r>
+            <a:endParaRPr sz="2400"/>
           </a:p>
         </p:txBody>
       </p:sp>
@@ -8131,13 +7165,13 @@
           <p:cNvPr id="87" name="Google Shape;87;p13"/>
           <p:cNvSpPr txBox="1"/>
           <p:nvPr>
-            <p:ph idx="1" type="subTitle"/>
+            <p:ph idx="1" type="body"/>
           </p:nvPr>
         </p:nvSpPr>
         <p:spPr>
           <a:xfrm>
-            <a:off x="729627" y="3172900"/>
-            <a:ext cx="7688100" cy="541200"/>
+            <a:off x="236825" y="1346925"/>
+            <a:ext cx="6861300" cy="3478500"/>
           </a:xfrm>
           <a:prstGeom prst="rect">
             <a:avLst/>
@@ -8145,7 +7179,188 @@
         </p:spPr>
         <p:txBody>
           <a:bodyPr anchorCtr="0" anchor="t" bIns="91425" lIns="91425" spcFirstLastPara="1" rIns="91425" wrap="square" tIns="91425">
-            <a:normAutofit/>
+            <a:noAutofit/>
+          </a:bodyPr>
+          <a:lstStyle/>
+          <a:p>
+            <a:pPr indent="-295275" lvl="0" marL="457200" rtl="0" algn="l">
+              <a:lnSpc>
+                <a:spcPct val="115000"/>
+              </a:lnSpc>
+              <a:spcBef>
+                <a:spcPts val="0"/>
+              </a:spcBef>
+              <a:spcAft>
+                <a:spcPts val="0"/>
+              </a:spcAft>
+              <a:buSzPts val="1050"/>
+              <a:buChar char="-"/>
+            </a:pPr>
+            <a:r>
+              <a:rPr lang="en" sz="1050"/>
+              <a:t>The Covid-19 pandemic caused a surge in the use of video calls as many in person activities have been moved to online. (students that have shifted to online lectures which can affect their learning and grades)</a:t>
+            </a:r>
+            <a:endParaRPr sz="1050"/>
+          </a:p>
+          <a:p>
+            <a:pPr indent="-295275" lvl="0" marL="457200" rtl="0" algn="l">
+              <a:lnSpc>
+                <a:spcPct val="115000"/>
+              </a:lnSpc>
+              <a:spcBef>
+                <a:spcPts val="200"/>
+              </a:spcBef>
+              <a:spcAft>
+                <a:spcPts val="0"/>
+              </a:spcAft>
+              <a:buSzPts val="1050"/>
+              <a:buChar char="-"/>
+            </a:pPr>
+            <a:r>
+              <a:rPr lang="en" sz="1050"/>
+              <a:t>Shift from in-person lectures to online too difficult or challenging to use. </a:t>
+            </a:r>
+            <a:endParaRPr sz="1050"/>
+          </a:p>
+          <a:p>
+            <a:pPr indent="-295275" lvl="0" marL="457200" rtl="0" algn="l">
+              <a:lnSpc>
+                <a:spcPct val="115000"/>
+              </a:lnSpc>
+              <a:spcBef>
+                <a:spcPts val="200"/>
+              </a:spcBef>
+              <a:spcAft>
+                <a:spcPts val="0"/>
+              </a:spcAft>
+              <a:buSzPts val="1050"/>
+              <a:buChar char="-"/>
+            </a:pPr>
+            <a:r>
+              <a:rPr lang="en" sz="1050"/>
+              <a:t>Our idea’s goal is to ease users into online learning by using hand tracking to detect common hand gestures used in-person to control video call features. This allows them to easily control call functions and immerses them into the classroom.</a:t>
+            </a:r>
+            <a:endParaRPr sz="1050"/>
+          </a:p>
+          <a:p>
+            <a:pPr indent="-295275" lvl="0" marL="457200" rtl="0" algn="l">
+              <a:lnSpc>
+                <a:spcPct val="115000"/>
+              </a:lnSpc>
+              <a:spcBef>
+                <a:spcPts val="200"/>
+              </a:spcBef>
+              <a:spcAft>
+                <a:spcPts val="0"/>
+              </a:spcAft>
+              <a:buSzPts val="1050"/>
+              <a:buChar char="-"/>
+            </a:pPr>
+            <a:r>
+              <a:rPr lang="en" sz="1050"/>
+              <a:t>Users that have trouble with online lectures will find our solution easier to use and less distracting. It can create a more natural flow for all users as their physical actions influence the video call.</a:t>
+            </a:r>
+            <a:endParaRPr sz="1050"/>
+          </a:p>
+          <a:p>
+            <a:pPr indent="-295275" lvl="0" marL="457200" rtl="0" algn="l">
+              <a:lnSpc>
+                <a:spcPct val="115000"/>
+              </a:lnSpc>
+              <a:spcBef>
+                <a:spcPts val="200"/>
+              </a:spcBef>
+              <a:spcAft>
+                <a:spcPts val="0"/>
+              </a:spcAft>
+              <a:buSzPts val="1050"/>
+              <a:buChar char="-"/>
+            </a:pPr>
+            <a:r>
+              <a:rPr lang="en" sz="1050"/>
+              <a:t>Hand tracking technology has already been created that controls functions such as pulling, pushing, or pinching.</a:t>
+            </a:r>
+            <a:endParaRPr sz="1050"/>
+          </a:p>
+          <a:p>
+            <a:pPr indent="-295275" lvl="0" marL="457200" rtl="0" algn="l">
+              <a:spcBef>
+                <a:spcPts val="200"/>
+              </a:spcBef>
+              <a:spcAft>
+                <a:spcPts val="0"/>
+              </a:spcAft>
+              <a:buSzPts val="1050"/>
+              <a:buChar char="-"/>
+            </a:pPr>
+            <a:r>
+              <a:rPr lang="en" sz="1050"/>
+              <a:t>Hand gestures could make video calling more immersive and easier to control with the right implementation. Though they need to be distinct, clear and unable to be confused for each other or other basic human actions.</a:t>
+            </a:r>
+            <a:endParaRPr sz="1050"/>
+          </a:p>
+          <a:p>
+            <a:pPr indent="-295275" lvl="0" marL="457200" rtl="0" algn="l">
+              <a:lnSpc>
+                <a:spcPct val="115000"/>
+              </a:lnSpc>
+              <a:spcBef>
+                <a:spcPts val="200"/>
+              </a:spcBef>
+              <a:spcAft>
+                <a:spcPts val="0"/>
+              </a:spcAft>
+              <a:buSzPts val="1050"/>
+              <a:buChar char="-"/>
+            </a:pPr>
+            <a:r>
+              <a:rPr lang="en" sz="1050"/>
+              <a:t>We have made a prototype that showcases what our idea is supposed to look like</a:t>
+            </a:r>
+            <a:endParaRPr sz="1050"/>
+          </a:p>
+          <a:p>
+            <a:pPr indent="-295275" lvl="0" marL="457200" rtl="0" algn="l">
+              <a:lnSpc>
+                <a:spcPct val="115000"/>
+              </a:lnSpc>
+              <a:spcBef>
+                <a:spcPts val="200"/>
+              </a:spcBef>
+              <a:spcAft>
+                <a:spcPts val="200"/>
+              </a:spcAft>
+              <a:buSzPts val="1050"/>
+              <a:buChar char="-"/>
+            </a:pPr>
+            <a:r>
+              <a:rPr lang="en" sz="1050"/>
+              <a:t>Next steps include gathering a large amount of different gestures that can be inputted as options users may choose from, as well as determining which gestures feel the most natural, as well as testing the accuracy of hand tracking and trying to improve it</a:t>
+            </a:r>
+            <a:endParaRPr sz="1050"/>
+          </a:p>
+        </p:txBody>
+      </p:sp>
+      <p:sp>
+        <p:nvSpPr>
+          <p:cNvPr id="88" name="Google Shape;88;p13"/>
+          <p:cNvSpPr txBox="1"/>
+          <p:nvPr>
+            <p:ph idx="4294967295" type="subTitle"/>
+          </p:nvPr>
+        </p:nvSpPr>
+        <p:spPr>
+          <a:xfrm>
+            <a:off x="0" y="4825275"/>
+            <a:ext cx="2274600" cy="288900"/>
+          </a:xfrm>
+          <a:prstGeom prst="rect">
+            <a:avLst/>
+          </a:prstGeom>
+        </p:spPr>
+        <p:txBody>
+          <a:bodyPr anchorCtr="0" anchor="t" bIns="91425" lIns="91425" spcFirstLastPara="1" rIns="91425" wrap="square" tIns="91425">
+            <a:normAutofit fontScale="55000" lnSpcReduction="20000"/>
           </a:bodyPr>
           <a:lstStyle/>
           <a:p>
@@ -8154,7 +7369,7 @@
                 <a:spcPts val="0"/>
               </a:spcBef>
               <a:spcAft>
-                <a:spcPts val="0"/>
+                <a:spcPts val="1200"/>
               </a:spcAft>
               <a:buNone/>
             </a:pPr>
@@ -8166,735 +7381,9 @@
           </a:p>
         </p:txBody>
       </p:sp>
-    </p:spTree>
-  </p:cSld>
-  <p:clrMapOvr>
-    <a:masterClrMapping/>
-  </p:clrMapOvr>
-</p:sld>
-</file>
-
-<file path=ppt/slides/slide10.xml><?xml version="1.0" encoding="utf-8"?>
-<p:sld xmlns:a="http://schemas.openxmlformats.org/drawingml/2006/main" xmlns:r="http://schemas.openxmlformats.org/officeDocument/2006/relationships" xmlns:mc="http://schemas.openxmlformats.org/markup-compatibility/2006" xmlns:mv="urn:schemas-microsoft-com:mac:vml" xmlns:p="http://schemas.openxmlformats.org/presentationml/2006/main" xmlns:c="http://schemas.openxmlformats.org/drawingml/2006/chart" xmlns:dgm="http://schemas.openxmlformats.org/drawingml/2006/diagram" xmlns:o="urn:schemas-microsoft-com:office:office" xmlns:v="urn:schemas-microsoft-com:vml" xmlns:pvml="urn:schemas-microsoft-com:office:powerpoint" xmlns:com="http://schemas.openxmlformats.org/drawingml/2006/compatibility" xmlns:p14="http://schemas.microsoft.com/office/powerpoint/2010/main" xmlns:p15="http://schemas.microsoft.com/office/powerpoint/2012/main" xmlns:ahyp="http://schemas.microsoft.com/office/drawing/2018/hyperlinkcolor">
-  <p:cSld>
-    <p:spTree>
-      <p:nvGrpSpPr>
-        <p:cNvPr id="140" name="Shape 140"/>
-        <p:cNvGrpSpPr/>
-        <p:nvPr/>
-      </p:nvGrpSpPr>
-      <p:grpSpPr>
-        <a:xfrm>
-          <a:off x="0" y="0"/>
-          <a:ext cx="0" cy="0"/>
-          <a:chOff x="0" y="0"/>
-          <a:chExt cx="0" cy="0"/>
-        </a:xfrm>
-      </p:grpSpPr>
-      <p:sp>
-        <p:nvSpPr>
-          <p:cNvPr id="141" name="Google Shape;141;p22"/>
-          <p:cNvSpPr txBox="1"/>
-          <p:nvPr>
-            <p:ph type="title"/>
-          </p:nvPr>
-        </p:nvSpPr>
-        <p:spPr>
-          <a:xfrm>
-            <a:off x="729450" y="1322450"/>
-            <a:ext cx="7688400" cy="1518600"/>
-          </a:xfrm>
-          <a:prstGeom prst="rect">
-            <a:avLst/>
-          </a:prstGeom>
-        </p:spPr>
-        <p:txBody>
-          <a:bodyPr anchorCtr="0" anchor="t" bIns="91425" lIns="91425" spcFirstLastPara="1" rIns="91425" wrap="square" tIns="91425">
-            <a:normAutofit/>
-          </a:bodyPr>
-          <a:lstStyle/>
-          <a:p>
-            <a:pPr indent="0" lvl="0" marL="0" rtl="0" algn="l">
-              <a:spcBef>
-                <a:spcPts val="0"/>
-              </a:spcBef>
-              <a:spcAft>
-                <a:spcPts val="0"/>
-              </a:spcAft>
-              <a:buNone/>
-            </a:pPr>
-            <a:r>
-              <a:rPr lang="en"/>
-              <a:t>Thanks for Listening</a:t>
-            </a:r>
-            <a:endParaRPr/>
-          </a:p>
-        </p:txBody>
-      </p:sp>
-    </p:spTree>
-  </p:cSld>
-  <p:clrMapOvr>
-    <a:masterClrMapping/>
-  </p:clrMapOvr>
-</p:sld>
-</file>
-
-<file path=ppt/slides/slide2.xml><?xml version="1.0" encoding="utf-8"?>
-<p:sld xmlns:a="http://schemas.openxmlformats.org/drawingml/2006/main" xmlns:r="http://schemas.openxmlformats.org/officeDocument/2006/relationships" xmlns:mc="http://schemas.openxmlformats.org/markup-compatibility/2006" xmlns:mv="urn:schemas-microsoft-com:mac:vml" xmlns:p="http://schemas.openxmlformats.org/presentationml/2006/main" xmlns:c="http://schemas.openxmlformats.org/drawingml/2006/chart" xmlns:dgm="http://schemas.openxmlformats.org/drawingml/2006/diagram" xmlns:o="urn:schemas-microsoft-com:office:office" xmlns:v="urn:schemas-microsoft-com:vml" xmlns:pvml="urn:schemas-microsoft-com:office:powerpoint" xmlns:com="http://schemas.openxmlformats.org/drawingml/2006/compatibility" xmlns:p14="http://schemas.microsoft.com/office/powerpoint/2010/main" xmlns:p15="http://schemas.microsoft.com/office/powerpoint/2012/main" xmlns:ahyp="http://schemas.microsoft.com/office/drawing/2018/hyperlinkcolor">
-  <p:cSld>
-    <p:spTree>
-      <p:nvGrpSpPr>
-        <p:cNvPr id="91" name="Shape 91"/>
-        <p:cNvGrpSpPr/>
-        <p:nvPr/>
-      </p:nvGrpSpPr>
-      <p:grpSpPr>
-        <a:xfrm>
-          <a:off x="0" y="0"/>
-          <a:ext cx="0" cy="0"/>
-          <a:chOff x="0" y="0"/>
-          <a:chExt cx="0" cy="0"/>
-        </a:xfrm>
-      </p:grpSpPr>
-      <p:sp>
-        <p:nvSpPr>
-          <p:cNvPr id="92" name="Google Shape;92;p14"/>
-          <p:cNvSpPr txBox="1"/>
-          <p:nvPr>
-            <p:ph type="title"/>
-          </p:nvPr>
-        </p:nvSpPr>
-        <p:spPr>
-          <a:xfrm>
-            <a:off x="729450" y="1318650"/>
-            <a:ext cx="7688700" cy="535200"/>
-          </a:xfrm>
-          <a:prstGeom prst="rect">
-            <a:avLst/>
-          </a:prstGeom>
-        </p:spPr>
-        <p:txBody>
-          <a:bodyPr anchorCtr="0" anchor="t" bIns="91425" lIns="91425" spcFirstLastPara="1" rIns="91425" wrap="square" tIns="91425">
-            <a:normAutofit fontScale="90000"/>
-          </a:bodyPr>
-          <a:lstStyle/>
-          <a:p>
-            <a:pPr indent="0" lvl="0" marL="0" rtl="0" algn="l">
-              <a:spcBef>
-                <a:spcPts val="0"/>
-              </a:spcBef>
-              <a:spcAft>
-                <a:spcPts val="0"/>
-              </a:spcAft>
-              <a:buNone/>
-            </a:pPr>
-            <a:r>
-              <a:rPr lang="en"/>
-              <a:t>Problem being addressed</a:t>
-            </a:r>
-            <a:endParaRPr/>
-          </a:p>
-        </p:txBody>
-      </p:sp>
-      <p:sp>
-        <p:nvSpPr>
-          <p:cNvPr id="93" name="Google Shape;93;p14"/>
-          <p:cNvSpPr txBox="1"/>
-          <p:nvPr>
-            <p:ph idx="1" type="body"/>
-          </p:nvPr>
-        </p:nvSpPr>
-        <p:spPr>
-          <a:xfrm>
-            <a:off x="729450" y="2078875"/>
-            <a:ext cx="7688700" cy="2261100"/>
-          </a:xfrm>
-          <a:prstGeom prst="rect">
-            <a:avLst/>
-          </a:prstGeom>
-        </p:spPr>
-        <p:txBody>
-          <a:bodyPr anchorCtr="0" anchor="t" bIns="91425" lIns="91425" spcFirstLastPara="1" rIns="91425" wrap="square" tIns="91425">
-            <a:normAutofit/>
-          </a:bodyPr>
-          <a:lstStyle/>
-          <a:p>
-            <a:pPr indent="0" lvl="0" marL="0" rtl="0" algn="l">
-              <a:spcBef>
-                <a:spcPts val="0"/>
-              </a:spcBef>
-              <a:spcAft>
-                <a:spcPts val="1200"/>
-              </a:spcAft>
-              <a:buNone/>
-            </a:pPr>
-            <a:r>
-              <a:rPr lang="en"/>
-              <a:t>Some users have found the shift from in-person lectures to online too difficult or challenging to use. Our prototype is designed to ease users into online learning by using hand tracking to detect common hand gestures used in person to control video call features.</a:t>
-            </a:r>
-            <a:endParaRPr/>
-          </a:p>
-        </p:txBody>
-      </p:sp>
-    </p:spTree>
-  </p:cSld>
-  <p:clrMapOvr>
-    <a:masterClrMapping/>
-  </p:clrMapOvr>
-</p:sld>
-</file>
-
-<file path=ppt/slides/slide3.xml><?xml version="1.0" encoding="utf-8"?>
-<p:sld xmlns:a="http://schemas.openxmlformats.org/drawingml/2006/main" xmlns:r="http://schemas.openxmlformats.org/officeDocument/2006/relationships" xmlns:mc="http://schemas.openxmlformats.org/markup-compatibility/2006" xmlns:mv="urn:schemas-microsoft-com:mac:vml" xmlns:p="http://schemas.openxmlformats.org/presentationml/2006/main" xmlns:c="http://schemas.openxmlformats.org/drawingml/2006/chart" xmlns:dgm="http://schemas.openxmlformats.org/drawingml/2006/diagram" xmlns:o="urn:schemas-microsoft-com:office:office" xmlns:v="urn:schemas-microsoft-com:vml" xmlns:pvml="urn:schemas-microsoft-com:office:powerpoint" xmlns:com="http://schemas.openxmlformats.org/drawingml/2006/compatibility" xmlns:p14="http://schemas.microsoft.com/office/powerpoint/2010/main" xmlns:p15="http://schemas.microsoft.com/office/powerpoint/2012/main" xmlns:ahyp="http://schemas.microsoft.com/office/drawing/2018/hyperlinkcolor">
-  <p:cSld>
-    <p:spTree>
-      <p:nvGrpSpPr>
-        <p:cNvPr id="97" name="Shape 97"/>
-        <p:cNvGrpSpPr/>
-        <p:nvPr/>
-      </p:nvGrpSpPr>
-      <p:grpSpPr>
-        <a:xfrm>
-          <a:off x="0" y="0"/>
-          <a:ext cx="0" cy="0"/>
-          <a:chOff x="0" y="0"/>
-          <a:chExt cx="0" cy="0"/>
-        </a:xfrm>
-      </p:grpSpPr>
-      <p:sp>
-        <p:nvSpPr>
-          <p:cNvPr id="98" name="Google Shape;98;p15"/>
-          <p:cNvSpPr txBox="1"/>
-          <p:nvPr>
-            <p:ph type="title"/>
-          </p:nvPr>
-        </p:nvSpPr>
-        <p:spPr>
-          <a:xfrm>
-            <a:off x="729450" y="1318650"/>
-            <a:ext cx="7688700" cy="535200"/>
-          </a:xfrm>
-          <a:prstGeom prst="rect">
-            <a:avLst/>
-          </a:prstGeom>
-        </p:spPr>
-        <p:txBody>
-          <a:bodyPr anchorCtr="0" anchor="t" bIns="91425" lIns="91425" spcFirstLastPara="1" rIns="91425" wrap="square" tIns="91425">
-            <a:normAutofit fontScale="90000"/>
-          </a:bodyPr>
-          <a:lstStyle/>
-          <a:p>
-            <a:pPr indent="0" lvl="0" marL="0" rtl="0" algn="l">
-              <a:spcBef>
-                <a:spcPts val="0"/>
-              </a:spcBef>
-              <a:spcAft>
-                <a:spcPts val="0"/>
-              </a:spcAft>
-              <a:buNone/>
-            </a:pPr>
-            <a:r>
-              <a:rPr lang="en"/>
-              <a:t>Why is this problem relevant to address?</a:t>
-            </a:r>
-            <a:endParaRPr/>
-          </a:p>
-        </p:txBody>
-      </p:sp>
-      <p:sp>
-        <p:nvSpPr>
-          <p:cNvPr id="99" name="Google Shape;99;p15"/>
-          <p:cNvSpPr txBox="1"/>
-          <p:nvPr>
-            <p:ph idx="1" type="body"/>
-          </p:nvPr>
-        </p:nvSpPr>
-        <p:spPr>
-          <a:xfrm>
-            <a:off x="729450" y="2078875"/>
-            <a:ext cx="7688700" cy="2261100"/>
-          </a:xfrm>
-          <a:prstGeom prst="rect">
-            <a:avLst/>
-          </a:prstGeom>
-        </p:spPr>
-        <p:txBody>
-          <a:bodyPr anchorCtr="0" anchor="t" bIns="91425" lIns="91425" spcFirstLastPara="1" rIns="91425" wrap="square" tIns="91425">
-            <a:normAutofit/>
-          </a:bodyPr>
-          <a:lstStyle/>
-          <a:p>
-            <a:pPr indent="0" lvl="0" marL="0" rtl="0" algn="l">
-              <a:spcBef>
-                <a:spcPts val="0"/>
-              </a:spcBef>
-              <a:spcAft>
-                <a:spcPts val="1200"/>
-              </a:spcAft>
-              <a:buNone/>
-            </a:pPr>
-            <a:r>
-              <a:rPr lang="en"/>
-              <a:t>The Covid-19 pandemic caused a surge in the use of video calls as many in person activities have been moved to online. Some users found the shift from in person activities to virtual too difficult or distracting. This is especially true for students that have shifted to online lectures which can affect their learning and grades.</a:t>
-            </a:r>
-            <a:endParaRPr/>
-          </a:p>
-        </p:txBody>
-      </p:sp>
-    </p:spTree>
-  </p:cSld>
-  <p:clrMapOvr>
-    <a:masterClrMapping/>
-  </p:clrMapOvr>
-</p:sld>
-</file>
-
-<file path=ppt/slides/slide4.xml><?xml version="1.0" encoding="utf-8"?>
-<p:sld xmlns:a="http://schemas.openxmlformats.org/drawingml/2006/main" xmlns:r="http://schemas.openxmlformats.org/officeDocument/2006/relationships" xmlns:mc="http://schemas.openxmlformats.org/markup-compatibility/2006" xmlns:mv="urn:schemas-microsoft-com:mac:vml" xmlns:p="http://schemas.openxmlformats.org/presentationml/2006/main" xmlns:c="http://schemas.openxmlformats.org/drawingml/2006/chart" xmlns:dgm="http://schemas.openxmlformats.org/drawingml/2006/diagram" xmlns:o="urn:schemas-microsoft-com:office:office" xmlns:v="urn:schemas-microsoft-com:vml" xmlns:pvml="urn:schemas-microsoft-com:office:powerpoint" xmlns:com="http://schemas.openxmlformats.org/drawingml/2006/compatibility" xmlns:p14="http://schemas.microsoft.com/office/powerpoint/2010/main" xmlns:p15="http://schemas.microsoft.com/office/powerpoint/2012/main" xmlns:ahyp="http://schemas.microsoft.com/office/drawing/2018/hyperlinkcolor">
-  <p:cSld>
-    <p:spTree>
-      <p:nvGrpSpPr>
-        <p:cNvPr id="103" name="Shape 103"/>
-        <p:cNvGrpSpPr/>
-        <p:nvPr/>
-      </p:nvGrpSpPr>
-      <p:grpSpPr>
-        <a:xfrm>
-          <a:off x="0" y="0"/>
-          <a:ext cx="0" cy="0"/>
-          <a:chOff x="0" y="0"/>
-          <a:chExt cx="0" cy="0"/>
-        </a:xfrm>
-      </p:grpSpPr>
-      <p:sp>
-        <p:nvSpPr>
-          <p:cNvPr id="104" name="Google Shape;104;p16"/>
-          <p:cNvSpPr txBox="1"/>
-          <p:nvPr>
-            <p:ph type="title"/>
-          </p:nvPr>
-        </p:nvSpPr>
-        <p:spPr>
-          <a:xfrm>
-            <a:off x="729450" y="1318650"/>
-            <a:ext cx="7688700" cy="535200"/>
-          </a:xfrm>
-          <a:prstGeom prst="rect">
-            <a:avLst/>
-          </a:prstGeom>
-        </p:spPr>
-        <p:txBody>
-          <a:bodyPr anchorCtr="0" anchor="t" bIns="91425" lIns="91425" spcFirstLastPara="1" rIns="91425" wrap="square" tIns="91425">
-            <a:normAutofit fontScale="90000"/>
-          </a:bodyPr>
-          <a:lstStyle/>
-          <a:p>
-            <a:pPr indent="0" lvl="0" marL="0" rtl="0" algn="l">
-              <a:spcBef>
-                <a:spcPts val="0"/>
-              </a:spcBef>
-              <a:spcAft>
-                <a:spcPts val="0"/>
-              </a:spcAft>
-              <a:buNone/>
-            </a:pPr>
-            <a:r>
-              <a:rPr lang="en"/>
-              <a:t>What has been done so far by others? </a:t>
-            </a:r>
-            <a:endParaRPr/>
-          </a:p>
-        </p:txBody>
-      </p:sp>
-      <p:sp>
-        <p:nvSpPr>
-          <p:cNvPr id="105" name="Google Shape;105;p16"/>
-          <p:cNvSpPr txBox="1"/>
-          <p:nvPr>
-            <p:ph idx="1" type="body"/>
-          </p:nvPr>
-        </p:nvSpPr>
-        <p:spPr>
-          <a:xfrm>
-            <a:off x="729450" y="2078875"/>
-            <a:ext cx="7688700" cy="2261100"/>
-          </a:xfrm>
-          <a:prstGeom prst="rect">
-            <a:avLst/>
-          </a:prstGeom>
-        </p:spPr>
-        <p:txBody>
-          <a:bodyPr anchorCtr="0" anchor="t" bIns="91425" lIns="91425" spcFirstLastPara="1" rIns="91425" wrap="square" tIns="91425">
-            <a:normAutofit/>
-          </a:bodyPr>
-          <a:lstStyle/>
-          <a:p>
-            <a:pPr indent="0" lvl="0" marL="0" rtl="0" algn="l">
-              <a:spcBef>
-                <a:spcPts val="0"/>
-              </a:spcBef>
-              <a:spcAft>
-                <a:spcPts val="0"/>
-              </a:spcAft>
-              <a:buNone/>
-            </a:pPr>
-            <a:r>
-              <a:rPr lang="en"/>
-              <a:t>Hand tracking technology has already been created that controls functions such as pulling, pushing, or pinching.</a:t>
-            </a:r>
-            <a:endParaRPr/>
-          </a:p>
-          <a:p>
-            <a:pPr indent="0" lvl="0" marL="0" rtl="0" algn="l">
-              <a:spcBef>
-                <a:spcPts val="1200"/>
-              </a:spcBef>
-              <a:spcAft>
-                <a:spcPts val="1200"/>
-              </a:spcAft>
-              <a:buNone/>
-            </a:pPr>
-            <a:r>
-              <a:rPr lang="en"/>
-              <a:t>Online video calls are already widely used by companies and schools including google meets or discord.</a:t>
-            </a:r>
-            <a:endParaRPr/>
-          </a:p>
-        </p:txBody>
-      </p:sp>
-    </p:spTree>
-  </p:cSld>
-  <p:clrMapOvr>
-    <a:masterClrMapping/>
-  </p:clrMapOvr>
-</p:sld>
-</file>
-
-<file path=ppt/slides/slide5.xml><?xml version="1.0" encoding="utf-8"?>
-<p:sld xmlns:a="http://schemas.openxmlformats.org/drawingml/2006/main" xmlns:r="http://schemas.openxmlformats.org/officeDocument/2006/relationships" xmlns:mc="http://schemas.openxmlformats.org/markup-compatibility/2006" xmlns:mv="urn:schemas-microsoft-com:mac:vml" xmlns:p="http://schemas.openxmlformats.org/presentationml/2006/main" xmlns:c="http://schemas.openxmlformats.org/drawingml/2006/chart" xmlns:dgm="http://schemas.openxmlformats.org/drawingml/2006/diagram" xmlns:o="urn:schemas-microsoft-com:office:office" xmlns:v="urn:schemas-microsoft-com:vml" xmlns:pvml="urn:schemas-microsoft-com:office:powerpoint" xmlns:com="http://schemas.openxmlformats.org/drawingml/2006/compatibility" xmlns:p14="http://schemas.microsoft.com/office/powerpoint/2010/main" xmlns:p15="http://schemas.microsoft.com/office/powerpoint/2012/main" xmlns:ahyp="http://schemas.microsoft.com/office/drawing/2018/hyperlinkcolor">
-  <p:cSld>
-    <p:spTree>
-      <p:nvGrpSpPr>
-        <p:cNvPr id="109" name="Shape 109"/>
-        <p:cNvGrpSpPr/>
-        <p:nvPr/>
-      </p:nvGrpSpPr>
-      <p:grpSpPr>
-        <a:xfrm>
-          <a:off x="0" y="0"/>
-          <a:ext cx="0" cy="0"/>
-          <a:chOff x="0" y="0"/>
-          <a:chExt cx="0" cy="0"/>
-        </a:xfrm>
-      </p:grpSpPr>
-      <p:sp>
-        <p:nvSpPr>
-          <p:cNvPr id="110" name="Google Shape;110;p17"/>
-          <p:cNvSpPr txBox="1"/>
-          <p:nvPr>
-            <p:ph type="title"/>
-          </p:nvPr>
-        </p:nvSpPr>
-        <p:spPr>
-          <a:xfrm>
-            <a:off x="729450" y="1318650"/>
-            <a:ext cx="7688700" cy="535200"/>
-          </a:xfrm>
-          <a:prstGeom prst="rect">
-            <a:avLst/>
-          </a:prstGeom>
-        </p:spPr>
-        <p:txBody>
-          <a:bodyPr anchorCtr="0" anchor="t" bIns="91425" lIns="91425" spcFirstLastPara="1" rIns="91425" wrap="square" tIns="91425">
-            <a:normAutofit fontScale="90000"/>
-          </a:bodyPr>
-          <a:lstStyle/>
-          <a:p>
-            <a:pPr indent="0" lvl="0" marL="0" rtl="0" algn="l">
-              <a:spcBef>
-                <a:spcPts val="0"/>
-              </a:spcBef>
-              <a:spcAft>
-                <a:spcPts val="0"/>
-              </a:spcAft>
-              <a:buNone/>
-            </a:pPr>
-            <a:r>
-              <a:rPr lang="en"/>
-              <a:t>How does your solution tackle the problem? </a:t>
-            </a:r>
-            <a:endParaRPr/>
-          </a:p>
-        </p:txBody>
-      </p:sp>
-      <p:sp>
-        <p:nvSpPr>
-          <p:cNvPr id="111" name="Google Shape;111;p17"/>
-          <p:cNvSpPr txBox="1"/>
-          <p:nvPr>
-            <p:ph idx="1" type="body"/>
-          </p:nvPr>
-        </p:nvSpPr>
-        <p:spPr>
-          <a:xfrm>
-            <a:off x="729450" y="2078875"/>
-            <a:ext cx="7688700" cy="2261100"/>
-          </a:xfrm>
-          <a:prstGeom prst="rect">
-            <a:avLst/>
-          </a:prstGeom>
-        </p:spPr>
-        <p:txBody>
-          <a:bodyPr anchorCtr="0" anchor="t" bIns="91425" lIns="91425" spcFirstLastPara="1" rIns="91425" wrap="square" tIns="91425">
-            <a:normAutofit/>
-          </a:bodyPr>
-          <a:lstStyle/>
-          <a:p>
-            <a:pPr indent="0" lvl="0" marL="0" rtl="0" algn="l">
-              <a:spcBef>
-                <a:spcPts val="0"/>
-              </a:spcBef>
-              <a:spcAft>
-                <a:spcPts val="1200"/>
-              </a:spcAft>
-              <a:buNone/>
-            </a:pPr>
-            <a:r>
-              <a:rPr lang="en"/>
-              <a:t>Our prototype allows users to use common gestures to control video call functions. This allows them to easily control call functions and immerses them into the classroom. Users that have trouble with online lectures will find our solution easier to use and less distracting. It can create a more natural flow for all users as their physical actions influence the video call.</a:t>
-            </a:r>
-            <a:endParaRPr/>
-          </a:p>
-        </p:txBody>
-      </p:sp>
-    </p:spTree>
-  </p:cSld>
-  <p:clrMapOvr>
-    <a:masterClrMapping/>
-  </p:clrMapOvr>
-</p:sld>
-</file>
-
-<file path=ppt/slides/slide6.xml><?xml version="1.0" encoding="utf-8"?>
-<p:sld xmlns:a="http://schemas.openxmlformats.org/drawingml/2006/main" xmlns:r="http://schemas.openxmlformats.org/officeDocument/2006/relationships" xmlns:mc="http://schemas.openxmlformats.org/markup-compatibility/2006" xmlns:mv="urn:schemas-microsoft-com:mac:vml" xmlns:p="http://schemas.openxmlformats.org/presentationml/2006/main" xmlns:c="http://schemas.openxmlformats.org/drawingml/2006/chart" xmlns:dgm="http://schemas.openxmlformats.org/drawingml/2006/diagram" xmlns:o="urn:schemas-microsoft-com:office:office" xmlns:v="urn:schemas-microsoft-com:vml" xmlns:pvml="urn:schemas-microsoft-com:office:powerpoint" xmlns:com="http://schemas.openxmlformats.org/drawingml/2006/compatibility" xmlns:p14="http://schemas.microsoft.com/office/powerpoint/2010/main" xmlns:p15="http://schemas.microsoft.com/office/powerpoint/2012/main" xmlns:ahyp="http://schemas.microsoft.com/office/drawing/2018/hyperlinkcolor">
-  <p:cSld>
-    <p:spTree>
-      <p:nvGrpSpPr>
-        <p:cNvPr id="115" name="Shape 115"/>
-        <p:cNvGrpSpPr/>
-        <p:nvPr/>
-      </p:nvGrpSpPr>
-      <p:grpSpPr>
-        <a:xfrm>
-          <a:off x="0" y="0"/>
-          <a:ext cx="0" cy="0"/>
-          <a:chOff x="0" y="0"/>
-          <a:chExt cx="0" cy="0"/>
-        </a:xfrm>
-      </p:grpSpPr>
-      <p:sp>
-        <p:nvSpPr>
-          <p:cNvPr id="116" name="Google Shape;116;p18"/>
-          <p:cNvSpPr txBox="1"/>
-          <p:nvPr>
-            <p:ph type="title"/>
-          </p:nvPr>
-        </p:nvSpPr>
-        <p:spPr>
-          <a:xfrm>
-            <a:off x="729450" y="1318650"/>
-            <a:ext cx="7688700" cy="535200"/>
-          </a:xfrm>
-          <a:prstGeom prst="rect">
-            <a:avLst/>
-          </a:prstGeom>
-        </p:spPr>
-        <p:txBody>
-          <a:bodyPr anchorCtr="0" anchor="t" bIns="91425" lIns="91425" spcFirstLastPara="1" rIns="91425" wrap="square" tIns="91425">
-            <a:normAutofit fontScale="90000"/>
-          </a:bodyPr>
-          <a:lstStyle/>
-          <a:p>
-            <a:pPr indent="0" lvl="0" marL="0" rtl="0" algn="l">
-              <a:spcBef>
-                <a:spcPts val="0"/>
-              </a:spcBef>
-              <a:spcAft>
-                <a:spcPts val="0"/>
-              </a:spcAft>
-              <a:buNone/>
-            </a:pPr>
-            <a:r>
-              <a:rPr lang="en"/>
-              <a:t>Takeaways</a:t>
-            </a:r>
-            <a:endParaRPr/>
-          </a:p>
-        </p:txBody>
-      </p:sp>
-      <p:sp>
-        <p:nvSpPr>
-          <p:cNvPr id="117" name="Google Shape;117;p18"/>
-          <p:cNvSpPr txBox="1"/>
-          <p:nvPr>
-            <p:ph idx="1" type="body"/>
-          </p:nvPr>
-        </p:nvSpPr>
-        <p:spPr>
-          <a:xfrm>
-            <a:off x="729450" y="2078875"/>
-            <a:ext cx="7688700" cy="2261100"/>
-          </a:xfrm>
-          <a:prstGeom prst="rect">
-            <a:avLst/>
-          </a:prstGeom>
-        </p:spPr>
-        <p:txBody>
-          <a:bodyPr anchorCtr="0" anchor="t" bIns="91425" lIns="91425" spcFirstLastPara="1" rIns="91425" wrap="square" tIns="91425">
-            <a:normAutofit/>
-          </a:bodyPr>
-          <a:lstStyle/>
-          <a:p>
-            <a:pPr indent="0" lvl="0" marL="0" rtl="0" algn="l">
-              <a:spcBef>
-                <a:spcPts val="0"/>
-              </a:spcBef>
-              <a:spcAft>
-                <a:spcPts val="0"/>
-              </a:spcAft>
-              <a:buNone/>
-            </a:pPr>
-            <a:r>
-              <a:rPr lang="en"/>
-              <a:t>Hand gestures could make video calling more immersive and easier to control with the right implementation.</a:t>
-            </a:r>
-            <a:endParaRPr/>
-          </a:p>
-          <a:p>
-            <a:pPr indent="0" lvl="0" marL="0" rtl="0" algn="l">
-              <a:spcBef>
-                <a:spcPts val="1200"/>
-              </a:spcBef>
-              <a:spcAft>
-                <a:spcPts val="1200"/>
-              </a:spcAft>
-              <a:buNone/>
-            </a:pPr>
-            <a:r>
-              <a:rPr lang="en"/>
-              <a:t>Gestures need to be distinct, clear and unable to be confused for each other or other basic human actions.</a:t>
-            </a:r>
-            <a:endParaRPr/>
-          </a:p>
-        </p:txBody>
-      </p:sp>
-    </p:spTree>
-  </p:cSld>
-  <p:clrMapOvr>
-    <a:masterClrMapping/>
-  </p:clrMapOvr>
-</p:sld>
-</file>
-
-<file path=ppt/slides/slide7.xml><?xml version="1.0" encoding="utf-8"?>
-<p:sld xmlns:a="http://schemas.openxmlformats.org/drawingml/2006/main" xmlns:r="http://schemas.openxmlformats.org/officeDocument/2006/relationships" xmlns:mc="http://schemas.openxmlformats.org/markup-compatibility/2006" xmlns:mv="urn:schemas-microsoft-com:mac:vml" xmlns:p="http://schemas.openxmlformats.org/presentationml/2006/main" xmlns:c="http://schemas.openxmlformats.org/drawingml/2006/chart" xmlns:dgm="http://schemas.openxmlformats.org/drawingml/2006/diagram" xmlns:o="urn:schemas-microsoft-com:office:office" xmlns:v="urn:schemas-microsoft-com:vml" xmlns:pvml="urn:schemas-microsoft-com:office:powerpoint" xmlns:com="http://schemas.openxmlformats.org/drawingml/2006/compatibility" xmlns:p14="http://schemas.microsoft.com/office/powerpoint/2010/main" xmlns:p15="http://schemas.microsoft.com/office/powerpoint/2012/main" xmlns:ahyp="http://schemas.microsoft.com/office/drawing/2018/hyperlinkcolor">
-  <p:cSld>
-    <p:spTree>
-      <p:nvGrpSpPr>
-        <p:cNvPr id="121" name="Shape 121"/>
-        <p:cNvGrpSpPr/>
-        <p:nvPr/>
-      </p:nvGrpSpPr>
-      <p:grpSpPr>
-        <a:xfrm>
-          <a:off x="0" y="0"/>
-          <a:ext cx="0" cy="0"/>
-          <a:chOff x="0" y="0"/>
-          <a:chExt cx="0" cy="0"/>
-        </a:xfrm>
-      </p:grpSpPr>
-      <p:sp>
-        <p:nvSpPr>
-          <p:cNvPr id="122" name="Google Shape;122;p19"/>
-          <p:cNvSpPr txBox="1"/>
-          <p:nvPr>
-            <p:ph type="title"/>
-          </p:nvPr>
-        </p:nvSpPr>
-        <p:spPr>
-          <a:xfrm>
-            <a:off x="729450" y="1318650"/>
-            <a:ext cx="7688700" cy="535200"/>
-          </a:xfrm>
-          <a:prstGeom prst="rect">
-            <a:avLst/>
-          </a:prstGeom>
-        </p:spPr>
-        <p:txBody>
-          <a:bodyPr anchorCtr="0" anchor="t" bIns="91425" lIns="91425" spcFirstLastPara="1" rIns="91425" wrap="square" tIns="91425">
-            <a:normAutofit fontScale="90000"/>
-          </a:bodyPr>
-          <a:lstStyle/>
-          <a:p>
-            <a:pPr indent="0" lvl="0" marL="0" rtl="0" algn="l">
-              <a:spcBef>
-                <a:spcPts val="0"/>
-              </a:spcBef>
-              <a:spcAft>
-                <a:spcPts val="0"/>
-              </a:spcAft>
-              <a:buNone/>
-            </a:pPr>
-            <a:r>
-              <a:rPr lang="en"/>
-              <a:t>Project progression</a:t>
-            </a:r>
-            <a:endParaRPr/>
-          </a:p>
-        </p:txBody>
-      </p:sp>
-      <p:sp>
-        <p:nvSpPr>
-          <p:cNvPr id="123" name="Google Shape;123;p19"/>
-          <p:cNvSpPr txBox="1"/>
-          <p:nvPr>
-            <p:ph idx="1" type="body"/>
-          </p:nvPr>
-        </p:nvSpPr>
-        <p:spPr>
-          <a:xfrm>
-            <a:off x="729450" y="2078875"/>
-            <a:ext cx="7688700" cy="2261100"/>
-          </a:xfrm>
-          <a:prstGeom prst="rect">
-            <a:avLst/>
-          </a:prstGeom>
-        </p:spPr>
-        <p:txBody>
-          <a:bodyPr anchorCtr="0" anchor="t" bIns="91425" lIns="91425" spcFirstLastPara="1" rIns="91425" wrap="square" tIns="91425">
-            <a:normAutofit/>
-          </a:bodyPr>
-          <a:lstStyle/>
-          <a:p>
-            <a:pPr indent="0" lvl="0" marL="0" rtl="0" algn="l">
-              <a:spcBef>
-                <a:spcPts val="0"/>
-              </a:spcBef>
-              <a:spcAft>
-                <a:spcPts val="1200"/>
-              </a:spcAft>
-              <a:buNone/>
-            </a:pPr>
-            <a:r>
-              <a:t/>
-            </a:r>
-            <a:endParaRPr/>
-          </a:p>
-        </p:txBody>
-      </p:sp>
       <p:pic>
         <p:nvPicPr>
-          <p:cNvPr id="124" name="Google Shape;124;p19"/>
+          <p:cNvPr id="89" name="Google Shape;89;p13"/>
           <p:cNvPicPr preferRelativeResize="0"/>
           <p:nvPr/>
         </p:nvPicPr>
@@ -8902,13 +7391,13 @@
           <a:blip r:embed="rId3">
             <a:alphaModFix/>
           </a:blip>
-          <a:srcRect b="2799" l="0" r="0" t="0"/>
+          <a:srcRect b="7670" l="4021" r="4787" t="4563"/>
           <a:stretch/>
         </p:blipFill>
         <p:spPr>
           <a:xfrm>
-            <a:off x="1608825" y="1853850"/>
-            <a:ext cx="6158017" cy="3289650"/>
+            <a:off x="6995100" y="3841050"/>
+            <a:ext cx="2148900" cy="1273125"/>
           </a:xfrm>
           <a:prstGeom prst="rect">
             <a:avLst/>
@@ -8927,301 +7416,286 @@
 </p:sld>
 </file>
 
-<file path=ppt/slides/slide8.xml><?xml version="1.0" encoding="utf-8"?>
-<p:sld xmlns:a="http://schemas.openxmlformats.org/drawingml/2006/main" xmlns:r="http://schemas.openxmlformats.org/officeDocument/2006/relationships" xmlns:mc="http://schemas.openxmlformats.org/markup-compatibility/2006" xmlns:mv="urn:schemas-microsoft-com:mac:vml" xmlns:p="http://schemas.openxmlformats.org/presentationml/2006/main" xmlns:c="http://schemas.openxmlformats.org/drawingml/2006/chart" xmlns:dgm="http://schemas.openxmlformats.org/drawingml/2006/diagram" xmlns:o="urn:schemas-microsoft-com:office:office" xmlns:v="urn:schemas-microsoft-com:vml" xmlns:pvml="urn:schemas-microsoft-com:office:powerpoint" xmlns:com="http://schemas.openxmlformats.org/drawingml/2006/compatibility" xmlns:p14="http://schemas.microsoft.com/office/powerpoint/2010/main" xmlns:p15="http://schemas.microsoft.com/office/powerpoint/2012/main" xmlns:ahyp="http://schemas.microsoft.com/office/drawing/2018/hyperlinkcolor">
-  <p:cSld>
-    <p:spTree>
-      <p:nvGrpSpPr>
-        <p:cNvPr id="128" name="Shape 128"/>
-        <p:cNvGrpSpPr/>
-        <p:nvPr/>
-      </p:nvGrpSpPr>
-      <p:grpSpPr>
-        <a:xfrm>
-          <a:off x="0" y="0"/>
-          <a:ext cx="0" cy="0"/>
-          <a:chOff x="0" y="0"/>
-          <a:chExt cx="0" cy="0"/>
-        </a:xfrm>
-      </p:grpSpPr>
-      <p:sp>
-        <p:nvSpPr>
-          <p:cNvPr id="129" name="Google Shape;129;p20"/>
-          <p:cNvSpPr txBox="1"/>
-          <p:nvPr>
-            <p:ph type="title"/>
-          </p:nvPr>
-        </p:nvSpPr>
-        <p:spPr>
-          <a:xfrm>
-            <a:off x="729450" y="1318650"/>
-            <a:ext cx="7688700" cy="535200"/>
-          </a:xfrm>
-          <a:prstGeom prst="rect">
-            <a:avLst/>
-          </a:prstGeom>
-        </p:spPr>
-        <p:txBody>
-          <a:bodyPr anchorCtr="0" anchor="t" bIns="91425" lIns="91425" spcFirstLastPara="1" rIns="91425" wrap="square" tIns="91425">
-            <a:normAutofit fontScale="90000"/>
-          </a:bodyPr>
-          <a:lstStyle/>
-          <a:p>
-            <a:pPr indent="0" lvl="0" marL="0" rtl="0" algn="l">
-              <a:spcBef>
-                <a:spcPts val="0"/>
-              </a:spcBef>
-              <a:spcAft>
-                <a:spcPts val="0"/>
-              </a:spcAft>
-              <a:buNone/>
-            </a:pPr>
-            <a:r>
-              <a:rPr lang="en"/>
-              <a:t>Demo</a:t>
-            </a:r>
-            <a:endParaRPr/>
-          </a:p>
-        </p:txBody>
-      </p:sp>
-      <p:sp>
-        <p:nvSpPr>
-          <p:cNvPr id="130" name="Google Shape;130;p20"/>
-          <p:cNvSpPr txBox="1"/>
-          <p:nvPr>
-            <p:ph idx="1" type="body"/>
-          </p:nvPr>
-        </p:nvSpPr>
-        <p:spPr>
-          <a:xfrm>
-            <a:off x="729450" y="2078875"/>
-            <a:ext cx="7688700" cy="2261100"/>
-          </a:xfrm>
-          <a:prstGeom prst="rect">
-            <a:avLst/>
-          </a:prstGeom>
-        </p:spPr>
-        <p:txBody>
-          <a:bodyPr anchorCtr="0" anchor="t" bIns="91425" lIns="91425" spcFirstLastPara="1" rIns="91425" wrap="square" tIns="91425">
-            <a:normAutofit/>
-          </a:bodyPr>
-          <a:lstStyle/>
-          <a:p>
-            <a:pPr indent="0" lvl="0" marL="0" rtl="0" algn="l">
-              <a:spcBef>
-                <a:spcPts val="0"/>
-              </a:spcBef>
-              <a:spcAft>
-                <a:spcPts val="1200"/>
-              </a:spcAft>
-              <a:buNone/>
-            </a:pPr>
-            <a:r>
-              <a:rPr lang="en"/>
-              <a:t>Acknowledgement</a:t>
-            </a:r>
-            <a:r>
-              <a:rPr lang="en"/>
-              <a:t>: </a:t>
-            </a:r>
-            <a:r>
-              <a:rPr lang="en" u="sng">
-                <a:solidFill>
-                  <a:schemeClr val="hlink"/>
-                </a:solidFill>
-                <a:hlinkClick r:id="rId3"/>
-              </a:rPr>
-              <a:t>https://techvidvan.com/tutorials/hand-gesture-recognition-tensorflow-opencv/</a:t>
-            </a:r>
-            <a:r>
-              <a:rPr lang="en"/>
-              <a:t> </a:t>
-            </a:r>
-            <a:endParaRPr/>
-          </a:p>
-        </p:txBody>
-      </p:sp>
-    </p:spTree>
-  </p:cSld>
-  <p:clrMapOvr>
-    <a:masterClrMapping/>
-  </p:clrMapOvr>
-</p:sld>
+<file path=ppt/theme/theme1.xml><?xml version="1.0" encoding="utf-8"?>
+<a:theme xmlns:a="http://schemas.openxmlformats.org/drawingml/2006/main" xmlns:r="http://schemas.openxmlformats.org/officeDocument/2006/relationships" name="Streamline">
+  <a:themeElements>
+    <a:clrScheme name="Streamline">
+      <a:dk1>
+        <a:srgbClr val="1A9988"/>
+      </a:dk1>
+      <a:lt1>
+        <a:srgbClr val="FFFFFF"/>
+      </a:lt1>
+      <a:dk2>
+        <a:srgbClr val="1A1A1A"/>
+      </a:dk2>
+      <a:lt2>
+        <a:srgbClr val="E9EDEE"/>
+      </a:lt2>
+      <a:accent1>
+        <a:srgbClr val="595959"/>
+      </a:accent1>
+      <a:accent2>
+        <a:srgbClr val="6AA4C8"/>
+      </a:accent2>
+      <a:accent3>
+        <a:srgbClr val="EB5600"/>
+      </a:accent3>
+      <a:accent4>
+        <a:srgbClr val="A2FFE8"/>
+      </a:accent4>
+      <a:accent5>
+        <a:srgbClr val="1C3678"/>
+      </a:accent5>
+      <a:accent6>
+        <a:srgbClr val="FFB8A2"/>
+      </a:accent6>
+      <a:hlink>
+        <a:srgbClr val="1C3678"/>
+      </a:hlink>
+      <a:folHlink>
+        <a:srgbClr val="1C3678"/>
+      </a:folHlink>
+    </a:clrScheme>
+    <a:fontScheme name="Office">
+      <a:majorFont>
+        <a:latin typeface="Arial"/>
+        <a:ea typeface=""/>
+        <a:cs typeface=""/>
+        <a:font script="Jpan" typeface="ＭＳ Ｐゴシック"/>
+        <a:font script="Hang" typeface="맑은 고딕"/>
+        <a:font script="Hans" typeface="宋体"/>
+        <a:font script="Hant" typeface="新細明體"/>
+        <a:font script="Arab" typeface="Times New Roman"/>
+        <a:font script="Hebr" typeface="Times New Roman"/>
+        <a:font script="Thai" typeface="Angsana New"/>
+        <a:font script="Ethi" typeface="Nyala"/>
+        <a:font script="Beng" typeface="Vrinda"/>
+        <a:font script="Gujr" typeface="Shruti"/>
+        <a:font script="Khmr" typeface="MoolBoran"/>
+        <a:font script="Knda" typeface="Tunga"/>
+        <a:font script="Guru" typeface="Raavi"/>
+        <a:font script="Cans" typeface="Euphemia"/>
+        <a:font script="Cher" typeface="Plantagenet Cherokee"/>
+        <a:font script="Yiii" typeface="Microsoft Yi Baiti"/>
+        <a:font script="Tibt" typeface="Microsoft Himalaya"/>
+        <a:font script="Thaa" typeface="MV Boli"/>
+        <a:font script="Deva" typeface="Mangal"/>
+        <a:font script="Telu" typeface="Gautami"/>
+        <a:font script="Taml" typeface="Latha"/>
+        <a:font script="Syrc" typeface="Estrangelo Edessa"/>
+        <a:font script="Orya" typeface="Kalinga"/>
+        <a:font script="Mlym" typeface="Kartika"/>
+        <a:font script="Laoo" typeface="DokChampa"/>
+        <a:font script="Sinh" typeface="Iskoola Pota"/>
+        <a:font script="Mong" typeface="Mongolian Baiti"/>
+        <a:font script="Viet" typeface="Times New Roman"/>
+        <a:font script="Uigh" typeface="Microsoft Uighur"/>
+        <a:font script="Geor" typeface="Sylfaen"/>
+      </a:majorFont>
+      <a:minorFont>
+        <a:latin typeface="Arial"/>
+        <a:ea typeface=""/>
+        <a:cs typeface=""/>
+        <a:font script="Jpan" typeface="ＭＳ Ｐゴシック"/>
+        <a:font script="Hang" typeface="맑은 고딕"/>
+        <a:font script="Hans" typeface="宋体"/>
+        <a:font script="Hant" typeface="新細明體"/>
+        <a:font script="Arab" typeface="Arial"/>
+        <a:font script="Hebr" typeface="Arial"/>
+        <a:font script="Thai" typeface="Cordia New"/>
+        <a:font script="Ethi" typeface="Nyala"/>
+        <a:font script="Beng" typeface="Vrinda"/>
+        <a:font script="Gujr" typeface="Shruti"/>
+        <a:font script="Khmr" typeface="DaunPenh"/>
+        <a:font script="Knda" typeface="Tunga"/>
+        <a:font script="Guru" typeface="Raavi"/>
+        <a:font script="Cans" typeface="Euphemia"/>
+        <a:font script="Cher" typeface="Plantagenet Cherokee"/>
+        <a:font script="Yiii" typeface="Microsoft Yi Baiti"/>
+        <a:font script="Tibt" typeface="Microsoft Himalaya"/>
+        <a:font script="Thaa" typeface="MV Boli"/>
+        <a:font script="Deva" typeface="Mangal"/>
+        <a:font script="Telu" typeface="Gautami"/>
+        <a:font script="Taml" typeface="Latha"/>
+        <a:font script="Syrc" typeface="Estrangelo Edessa"/>
+        <a:font script="Orya" typeface="Kalinga"/>
+        <a:font script="Mlym" typeface="Kartika"/>
+        <a:font script="Laoo" typeface="DokChampa"/>
+        <a:font script="Sinh" typeface="Iskoola Pota"/>
+        <a:font script="Mong" typeface="Mongolian Baiti"/>
+        <a:font script="Viet" typeface="Arial"/>
+        <a:font script="Uigh" typeface="Microsoft Uighur"/>
+        <a:font script="Geor" typeface="Sylfaen"/>
+      </a:minorFont>
+    </a:fontScheme>
+    <a:fmtScheme name="Office">
+      <a:fillStyleLst>
+        <a:solidFill>
+          <a:schemeClr val="phClr"/>
+        </a:solidFill>
+        <a:gradFill rotWithShape="1">
+          <a:gsLst>
+            <a:gs pos="0">
+              <a:schemeClr val="phClr">
+                <a:tint val="50000"/>
+                <a:satMod val="300000"/>
+              </a:schemeClr>
+            </a:gs>
+            <a:gs pos="35000">
+              <a:schemeClr val="phClr">
+                <a:tint val="37000"/>
+                <a:satMod val="300000"/>
+              </a:schemeClr>
+            </a:gs>
+            <a:gs pos="100000">
+              <a:schemeClr val="phClr">
+                <a:tint val="15000"/>
+                <a:satMod val="350000"/>
+              </a:schemeClr>
+            </a:gs>
+          </a:gsLst>
+          <a:lin ang="16200000" scaled="1"/>
+        </a:gradFill>
+        <a:gradFill rotWithShape="1">
+          <a:gsLst>
+            <a:gs pos="0">
+              <a:schemeClr val="phClr">
+                <a:tint val="100000"/>
+                <a:shade val="100000"/>
+                <a:satMod val="130000"/>
+              </a:schemeClr>
+            </a:gs>
+            <a:gs pos="100000">
+              <a:schemeClr val="phClr">
+                <a:tint val="50000"/>
+                <a:shade val="100000"/>
+                <a:satMod val="350000"/>
+              </a:schemeClr>
+            </a:gs>
+          </a:gsLst>
+          <a:lin ang="16200000" scaled="0"/>
+        </a:gradFill>
+      </a:fillStyleLst>
+      <a:lnStyleLst>
+        <a:ln w="9525" cap="flat" cmpd="sng" algn="ctr">
+          <a:solidFill>
+            <a:schemeClr val="phClr">
+              <a:shade val="95000"/>
+              <a:satMod val="105000"/>
+            </a:schemeClr>
+          </a:solidFill>
+          <a:prstDash val="solid"/>
+        </a:ln>
+        <a:ln w="25400" cap="flat" cmpd="sng" algn="ctr">
+          <a:solidFill>
+            <a:schemeClr val="phClr"/>
+          </a:solidFill>
+          <a:prstDash val="solid"/>
+        </a:ln>
+        <a:ln w="38100" cap="flat" cmpd="sng" algn="ctr">
+          <a:solidFill>
+            <a:schemeClr val="phClr"/>
+          </a:solidFill>
+          <a:prstDash val="solid"/>
+        </a:ln>
+      </a:lnStyleLst>
+      <a:effectStyleLst>
+        <a:effectStyle>
+          <a:effectLst>
+            <a:outerShdw blurRad="40000" dist="20000" dir="5400000" rotWithShape="0">
+              <a:srgbClr val="000000">
+                <a:alpha val="38000"/>
+              </a:srgbClr>
+            </a:outerShdw>
+          </a:effectLst>
+        </a:effectStyle>
+        <a:effectStyle>
+          <a:effectLst>
+            <a:outerShdw blurRad="40000" dist="23000" dir="5400000" rotWithShape="0">
+              <a:srgbClr val="000000">
+                <a:alpha val="35000"/>
+              </a:srgbClr>
+            </a:outerShdw>
+          </a:effectLst>
+        </a:effectStyle>
+        <a:effectStyle>
+          <a:effectLst>
+            <a:outerShdw blurRad="40000" dist="23000" dir="5400000" rotWithShape="0">
+              <a:srgbClr val="000000">
+                <a:alpha val="35000"/>
+              </a:srgbClr>
+            </a:outerShdw>
+          </a:effectLst>
+          <a:scene3d>
+            <a:camera prst="orthographicFront">
+              <a:rot lat="0" lon="0" rev="0"/>
+            </a:camera>
+            <a:lightRig rig="threePt" dir="t">
+              <a:rot lat="0" lon="0" rev="1200000"/>
+            </a:lightRig>
+          </a:scene3d>
+          <a:sp3d>
+            <a:bevelT w="63500" h="25400"/>
+          </a:sp3d>
+        </a:effectStyle>
+      </a:effectStyleLst>
+      <a:bgFillStyleLst>
+        <a:solidFill>
+          <a:schemeClr val="phClr"/>
+        </a:solidFill>
+        <a:gradFill rotWithShape="1">
+          <a:gsLst>
+            <a:gs pos="0">
+              <a:schemeClr val="phClr">
+                <a:tint val="40000"/>
+                <a:satMod val="350000"/>
+              </a:schemeClr>
+            </a:gs>
+            <a:gs pos="40000">
+              <a:schemeClr val="phClr">
+                <a:tint val="45000"/>
+                <a:shade val="99000"/>
+                <a:satMod val="350000"/>
+              </a:schemeClr>
+            </a:gs>
+            <a:gs pos="100000">
+              <a:schemeClr val="phClr">
+                <a:shade val="20000"/>
+                <a:satMod val="255000"/>
+              </a:schemeClr>
+            </a:gs>
+          </a:gsLst>
+          <a:path path="circle">
+            <a:fillToRect l="50000" t="-80000" r="50000" b="180000"/>
+          </a:path>
+        </a:gradFill>
+        <a:gradFill rotWithShape="1">
+          <a:gsLst>
+            <a:gs pos="0">
+              <a:schemeClr val="phClr">
+                <a:tint val="80000"/>
+                <a:satMod val="300000"/>
+              </a:schemeClr>
+            </a:gs>
+            <a:gs pos="100000">
+              <a:schemeClr val="phClr">
+                <a:shade val="30000"/>
+                <a:satMod val="200000"/>
+              </a:schemeClr>
+            </a:gs>
+          </a:gsLst>
+          <a:path path="circle">
+            <a:fillToRect l="50000" t="50000" r="50000" b="50000"/>
+          </a:path>
+        </a:gradFill>
+      </a:bgFillStyleLst>
+    </a:fmtScheme>
+  </a:themeElements>
+</a:theme>
 </file>
 
-<file path=ppt/slides/slide9.xml><?xml version="1.0" encoding="utf-8"?>
-<p:sld xmlns:a="http://schemas.openxmlformats.org/drawingml/2006/main" xmlns:r="http://schemas.openxmlformats.org/officeDocument/2006/relationships" xmlns:mc="http://schemas.openxmlformats.org/markup-compatibility/2006" xmlns:mv="urn:schemas-microsoft-com:mac:vml" xmlns:p="http://schemas.openxmlformats.org/presentationml/2006/main" xmlns:c="http://schemas.openxmlformats.org/drawingml/2006/chart" xmlns:dgm="http://schemas.openxmlformats.org/drawingml/2006/diagram" xmlns:o="urn:schemas-microsoft-com:office:office" xmlns:v="urn:schemas-microsoft-com:vml" xmlns:pvml="urn:schemas-microsoft-com:office:powerpoint" xmlns:com="http://schemas.openxmlformats.org/drawingml/2006/compatibility" xmlns:p14="http://schemas.microsoft.com/office/powerpoint/2010/main" xmlns:p15="http://schemas.microsoft.com/office/powerpoint/2012/main" xmlns:ahyp="http://schemas.microsoft.com/office/drawing/2018/hyperlinkcolor">
-  <p:cSld>
-    <p:spTree>
-      <p:nvGrpSpPr>
-        <p:cNvPr id="134" name="Shape 134"/>
-        <p:cNvGrpSpPr/>
-        <p:nvPr/>
-      </p:nvGrpSpPr>
-      <p:grpSpPr>
-        <a:xfrm>
-          <a:off x="0" y="0"/>
-          <a:ext cx="0" cy="0"/>
-          <a:chOff x="0" y="0"/>
-          <a:chExt cx="0" cy="0"/>
-        </a:xfrm>
-      </p:grpSpPr>
-      <p:sp>
-        <p:nvSpPr>
-          <p:cNvPr id="135" name="Google Shape;135;p21"/>
-          <p:cNvSpPr txBox="1"/>
-          <p:nvPr>
-            <p:ph type="title"/>
-          </p:nvPr>
-        </p:nvSpPr>
-        <p:spPr>
-          <a:xfrm>
-            <a:off x="729450" y="1318650"/>
-            <a:ext cx="7688700" cy="535200"/>
-          </a:xfrm>
-          <a:prstGeom prst="rect">
-            <a:avLst/>
-          </a:prstGeom>
-        </p:spPr>
-        <p:txBody>
-          <a:bodyPr anchorCtr="0" anchor="t" bIns="91425" lIns="91425" spcFirstLastPara="1" rIns="91425" wrap="square" tIns="91425">
-            <a:normAutofit fontScale="90000"/>
-          </a:bodyPr>
-          <a:lstStyle/>
-          <a:p>
-            <a:pPr indent="0" lvl="0" marL="0" rtl="0" algn="l">
-              <a:spcBef>
-                <a:spcPts val="0"/>
-              </a:spcBef>
-              <a:spcAft>
-                <a:spcPts val="0"/>
-              </a:spcAft>
-              <a:buNone/>
-            </a:pPr>
-            <a:r>
-              <a:rPr lang="en"/>
-              <a:t>Next steps</a:t>
-            </a:r>
-            <a:endParaRPr/>
-          </a:p>
-        </p:txBody>
-      </p:sp>
-      <p:sp>
-        <p:nvSpPr>
-          <p:cNvPr id="136" name="Google Shape;136;p21"/>
-          <p:cNvSpPr txBox="1"/>
-          <p:nvPr>
-            <p:ph idx="1" type="body"/>
-          </p:nvPr>
-        </p:nvSpPr>
-        <p:spPr>
-          <a:xfrm>
-            <a:off x="729450" y="2078875"/>
-            <a:ext cx="7688700" cy="2261100"/>
-          </a:xfrm>
-          <a:prstGeom prst="rect">
-            <a:avLst/>
-          </a:prstGeom>
-        </p:spPr>
-        <p:txBody>
-          <a:bodyPr anchorCtr="0" anchor="t" bIns="91425" lIns="91425" spcFirstLastPara="1" rIns="91425" wrap="square" tIns="91425">
-            <a:normAutofit/>
-          </a:bodyPr>
-          <a:lstStyle/>
-          <a:p>
-            <a:pPr indent="-311150" lvl="0" marL="457200" rtl="0" algn="l">
-              <a:spcBef>
-                <a:spcPts val="0"/>
-              </a:spcBef>
-              <a:spcAft>
-                <a:spcPts val="0"/>
-              </a:spcAft>
-              <a:buSzPts val="1300"/>
-              <a:buChar char="-"/>
-            </a:pPr>
-            <a:r>
-              <a:rPr lang="en"/>
-              <a:t>UI Mockup to customize each gesture per function, allowing users to choose their own gestures.</a:t>
-            </a:r>
-            <a:endParaRPr/>
-          </a:p>
-          <a:p>
-            <a:pPr indent="-311150" lvl="0" marL="457200" rtl="0" algn="l">
-              <a:spcBef>
-                <a:spcPts val="0"/>
-              </a:spcBef>
-              <a:spcAft>
-                <a:spcPts val="0"/>
-              </a:spcAft>
-              <a:buSzPts val="1300"/>
-              <a:buChar char="-"/>
-            </a:pPr>
-            <a:r>
-              <a:rPr lang="en"/>
-              <a:t>Testing how user will feel using their non-dominant hand </a:t>
-            </a:r>
-            <a:endParaRPr/>
-          </a:p>
-          <a:p>
-            <a:pPr indent="-311150" lvl="0" marL="457200" rtl="0" algn="l">
-              <a:spcBef>
-                <a:spcPts val="0"/>
-              </a:spcBef>
-              <a:spcAft>
-                <a:spcPts val="0"/>
-              </a:spcAft>
-              <a:buSzPts val="1300"/>
-              <a:buChar char="-"/>
-            </a:pPr>
-            <a:r>
-              <a:rPr lang="en"/>
-              <a:t>Gathering a large amount of different gestures that can be inputted as options users may choose from, as well as determining which gestures feel the most natural.</a:t>
-            </a:r>
-            <a:endParaRPr/>
-          </a:p>
-          <a:p>
-            <a:pPr indent="-311150" lvl="0" marL="457200" rtl="0" algn="l">
-              <a:spcBef>
-                <a:spcPts val="0"/>
-              </a:spcBef>
-              <a:spcAft>
-                <a:spcPts val="0"/>
-              </a:spcAft>
-              <a:buSzPts val="1300"/>
-              <a:buChar char="-"/>
-            </a:pPr>
-            <a:r>
-              <a:rPr lang="en"/>
-              <a:t>Testing the accuracy of hand tracking and trying to improve it</a:t>
-            </a:r>
-            <a:endParaRPr/>
-          </a:p>
-          <a:p>
-            <a:pPr indent="0" lvl="0" marL="457200" rtl="0" algn="l">
-              <a:spcBef>
-                <a:spcPts val="1200"/>
-              </a:spcBef>
-              <a:spcAft>
-                <a:spcPts val="1200"/>
-              </a:spcAft>
-              <a:buNone/>
-            </a:pPr>
-            <a:r>
-              <a:t/>
-            </a:r>
-            <a:endParaRPr/>
-          </a:p>
-        </p:txBody>
-      </p:sp>
-    </p:spTree>
-  </p:cSld>
-  <p:clrMapOvr>
-    <a:masterClrMapping/>
-  </p:clrMapOvr>
-</p:sld>
-</file>
-
-<file path=ppt/theme/theme1.xml><?xml version="1.0" encoding="utf-8"?>
+<file path=ppt/theme/theme2.xml><?xml version="1.0" encoding="utf-8"?>
 <a:theme xmlns:a="http://schemas.openxmlformats.org/drawingml/2006/main" xmlns:r="http://schemas.openxmlformats.org/officeDocument/2006/relationships">
   <a:themeElements>
     <a:clrScheme name="Default">
@@ -9498,283 +7972,4 @@
     </a:fmtScheme>
   </a:themeElements>
 </a:theme>
-</file>
-
-<file path=ppt/theme/theme2.xml><?xml version="1.0" encoding="utf-8"?>
-<a:theme xmlns:a="http://schemas.openxmlformats.org/drawingml/2006/main" xmlns:r="http://schemas.openxmlformats.org/officeDocument/2006/relationships" name="Streamline">
-  <a:themeElements>
-    <a:clrScheme name="Streamline">
-      <a:dk1>
-        <a:srgbClr val="1A9988"/>
-      </a:dk1>
-      <a:lt1>
-        <a:srgbClr val="FFFFFF"/>
-      </a:lt1>
-      <a:dk2>
-        <a:srgbClr val="1A1A1A"/>
-      </a:dk2>
-      <a:lt2>
-        <a:srgbClr val="E9EDEE"/>
-      </a:lt2>
-      <a:accent1>
-        <a:srgbClr val="595959"/>
-      </a:accent1>
-      <a:accent2>
-        <a:srgbClr val="6AA4C8"/>
-      </a:accent2>
-      <a:accent3>
-        <a:srgbClr val="EB5600"/>
-      </a:accent3>
-      <a:accent4>
-        <a:srgbClr val="A2FFE8"/>
-      </a:accent4>
-      <a:accent5>
-        <a:srgbClr val="1C3678"/>
-      </a:accent5>
-      <a:accent6>
-        <a:srgbClr val="FFB8A2"/>
-      </a:accent6>
-      <a:hlink>
-        <a:srgbClr val="1C3678"/>
-      </a:hlink>
-      <a:folHlink>
-        <a:srgbClr val="1C3678"/>
-      </a:folHlink>
-    </a:clrScheme>
-    <a:fontScheme name="Office">
-      <a:majorFont>
-        <a:latin typeface="Arial"/>
-        <a:ea typeface=""/>
-        <a:cs typeface=""/>
-        <a:font script="Jpan" typeface="ＭＳ Ｐゴシック"/>
-        <a:font script="Hang" typeface="맑은 고딕"/>
-        <a:font script="Hans" typeface="宋体"/>
-        <a:font script="Hant" typeface="新細明體"/>
-        <a:font script="Arab" typeface="Times New Roman"/>
-        <a:font script="Hebr" typeface="Times New Roman"/>
-        <a:font script="Thai" typeface="Angsana New"/>
-        <a:font script="Ethi" typeface="Nyala"/>
-        <a:font script="Beng" typeface="Vrinda"/>
-        <a:font script="Gujr" typeface="Shruti"/>
-        <a:font script="Khmr" typeface="MoolBoran"/>
-        <a:font script="Knda" typeface="Tunga"/>
-        <a:font script="Guru" typeface="Raavi"/>
-        <a:font script="Cans" typeface="Euphemia"/>
-        <a:font script="Cher" typeface="Plantagenet Cherokee"/>
-        <a:font script="Yiii" typeface="Microsoft Yi Baiti"/>
-        <a:font script="Tibt" typeface="Microsoft Himalaya"/>
-        <a:font script="Thaa" typeface="MV Boli"/>
-        <a:font script="Deva" typeface="Mangal"/>
-        <a:font script="Telu" typeface="Gautami"/>
-        <a:font script="Taml" typeface="Latha"/>
-        <a:font script="Syrc" typeface="Estrangelo Edessa"/>
-        <a:font script="Orya" typeface="Kalinga"/>
-        <a:font script="Mlym" typeface="Kartika"/>
-        <a:font script="Laoo" typeface="DokChampa"/>
-        <a:font script="Sinh" typeface="Iskoola Pota"/>
-        <a:font script="Mong" typeface="Mongolian Baiti"/>
-        <a:font script="Viet" typeface="Times New Roman"/>
-        <a:font script="Uigh" typeface="Microsoft Uighur"/>
-        <a:font script="Geor" typeface="Sylfaen"/>
-      </a:majorFont>
-      <a:minorFont>
-        <a:latin typeface="Arial"/>
-        <a:ea typeface=""/>
-        <a:cs typeface=""/>
-        <a:font script="Jpan" typeface="ＭＳ Ｐゴシック"/>
-        <a:font script="Hang" typeface="맑은 고딕"/>
-        <a:font script="Hans" typeface="宋体"/>
-        <a:font script="Hant" typeface="新細明體"/>
-        <a:font script="Arab" typeface="Arial"/>
-        <a:font script="Hebr" typeface="Arial"/>
-        <a:font script="Thai" typeface="Cordia New"/>
-        <a:font script="Ethi" typeface="Nyala"/>
-        <a:font script="Beng" typeface="Vrinda"/>
-        <a:font script="Gujr" typeface="Shruti"/>
-        <a:font script="Khmr" typeface="DaunPenh"/>
-        <a:font script="Knda" typeface="Tunga"/>
-        <a:font script="Guru" typeface="Raavi"/>
-        <a:font script="Cans" typeface="Euphemia"/>
-        <a:font script="Cher" typeface="Plantagenet Cherokee"/>
-        <a:font script="Yiii" typeface="Microsoft Yi Baiti"/>
-        <a:font script="Tibt" typeface="Microsoft Himalaya"/>
-        <a:font script="Thaa" typeface="MV Boli"/>
-        <a:font script="Deva" typeface="Mangal"/>
-        <a:font script="Telu" typeface="Gautami"/>
-        <a:font script="Taml" typeface="Latha"/>
-        <a:font script="Syrc" typeface="Estrangelo Edessa"/>
-        <a:font script="Orya" typeface="Kalinga"/>
-        <a:font script="Mlym" typeface="Kartika"/>
-        <a:font script="Laoo" typeface="DokChampa"/>
-        <a:font script="Sinh" typeface="Iskoola Pota"/>
-        <a:font script="Mong" typeface="Mongolian Baiti"/>
-        <a:font script="Viet" typeface="Arial"/>
-        <a:font script="Uigh" typeface="Microsoft Uighur"/>
-        <a:font script="Geor" typeface="Sylfaen"/>
-      </a:minorFont>
-    </a:fontScheme>
-    <a:fmtScheme name="Office">
-      <a:fillStyleLst>
-        <a:solidFill>
-          <a:schemeClr val="phClr"/>
-        </a:solidFill>
-        <a:gradFill rotWithShape="1">
-          <a:gsLst>
-            <a:gs pos="0">
-              <a:schemeClr val="phClr">
-                <a:tint val="50000"/>
-                <a:satMod val="300000"/>
-              </a:schemeClr>
-            </a:gs>
-            <a:gs pos="35000">
-              <a:schemeClr val="phClr">
-                <a:tint val="37000"/>
-                <a:satMod val="300000"/>
-              </a:schemeClr>
-            </a:gs>
-            <a:gs pos="100000">
-              <a:schemeClr val="phClr">
-                <a:tint val="15000"/>
-                <a:satMod val="350000"/>
-              </a:schemeClr>
-            </a:gs>
-          </a:gsLst>
-          <a:lin ang="16200000" scaled="1"/>
-        </a:gradFill>
-        <a:gradFill rotWithShape="1">
-          <a:gsLst>
-            <a:gs pos="0">
-              <a:schemeClr val="phClr">
-                <a:tint val="100000"/>
-                <a:shade val="100000"/>
-                <a:satMod val="130000"/>
-              </a:schemeClr>
-            </a:gs>
-            <a:gs pos="100000">
-              <a:schemeClr val="phClr">
-                <a:tint val="50000"/>
-                <a:shade val="100000"/>
-                <a:satMod val="350000"/>
-              </a:schemeClr>
-            </a:gs>
-          </a:gsLst>
-          <a:lin ang="16200000" scaled="0"/>
-        </a:gradFill>
-      </a:fillStyleLst>
-      <a:lnStyleLst>
-        <a:ln w="9525" cap="flat" cmpd="sng" algn="ctr">
-          <a:solidFill>
-            <a:schemeClr val="phClr">
-              <a:shade val="95000"/>
-              <a:satMod val="105000"/>
-            </a:schemeClr>
-          </a:solidFill>
-          <a:prstDash val="solid"/>
-        </a:ln>
-        <a:ln w="25400" cap="flat" cmpd="sng" algn="ctr">
-          <a:solidFill>
-            <a:schemeClr val="phClr"/>
-          </a:solidFill>
-          <a:prstDash val="solid"/>
-        </a:ln>
-        <a:ln w="38100" cap="flat" cmpd="sng" algn="ctr">
-          <a:solidFill>
-            <a:schemeClr val="phClr"/>
-          </a:solidFill>
-          <a:prstDash val="solid"/>
-        </a:ln>
-      </a:lnStyleLst>
-      <a:effectStyleLst>
-        <a:effectStyle>
-          <a:effectLst>
-            <a:outerShdw blurRad="40000" dist="20000" dir="5400000" rotWithShape="0">
-              <a:srgbClr val="000000">
-                <a:alpha val="38000"/>
-              </a:srgbClr>
-            </a:outerShdw>
-          </a:effectLst>
-        </a:effectStyle>
-        <a:effectStyle>
-          <a:effectLst>
-            <a:outerShdw blurRad="40000" dist="23000" dir="5400000" rotWithShape="0">
-              <a:srgbClr val="000000">
-                <a:alpha val="35000"/>
-              </a:srgbClr>
-            </a:outerShdw>
-          </a:effectLst>
-        </a:effectStyle>
-        <a:effectStyle>
-          <a:effectLst>
-            <a:outerShdw blurRad="40000" dist="23000" dir="5400000" rotWithShape="0">
-              <a:srgbClr val="000000">
-                <a:alpha val="35000"/>
-              </a:srgbClr>
-            </a:outerShdw>
-          </a:effectLst>
-          <a:scene3d>
-            <a:camera prst="orthographicFront">
-              <a:rot lat="0" lon="0" rev="0"/>
-            </a:camera>
-            <a:lightRig rig="threePt" dir="t">
-              <a:rot lat="0" lon="0" rev="1200000"/>
-            </a:lightRig>
-          </a:scene3d>
-          <a:sp3d>
-            <a:bevelT w="63500" h="25400"/>
-          </a:sp3d>
-        </a:effectStyle>
-      </a:effectStyleLst>
-      <a:bgFillStyleLst>
-        <a:solidFill>
-          <a:schemeClr val="phClr"/>
-        </a:solidFill>
-        <a:gradFill rotWithShape="1">
-          <a:gsLst>
-            <a:gs pos="0">
-              <a:schemeClr val="phClr">
-                <a:tint val="40000"/>
-                <a:satMod val="350000"/>
-              </a:schemeClr>
-            </a:gs>
-            <a:gs pos="40000">
-              <a:schemeClr val="phClr">
-                <a:tint val="45000"/>
-                <a:shade val="99000"/>
-                <a:satMod val="350000"/>
-              </a:schemeClr>
-            </a:gs>
-            <a:gs pos="100000">
-              <a:schemeClr val="phClr">
-                <a:shade val="20000"/>
-                <a:satMod val="255000"/>
-              </a:schemeClr>
-            </a:gs>
-          </a:gsLst>
-          <a:path path="circle">
-            <a:fillToRect l="50000" t="-80000" r="50000" b="180000"/>
-          </a:path>
-        </a:gradFill>
-        <a:gradFill rotWithShape="1">
-          <a:gsLst>
-            <a:gs pos="0">
-              <a:schemeClr val="phClr">
-                <a:tint val="80000"/>
-                <a:satMod val="300000"/>
-              </a:schemeClr>
-            </a:gs>
-            <a:gs pos="100000">
-              <a:schemeClr val="phClr">
-                <a:shade val="30000"/>
-                <a:satMod val="200000"/>
-              </a:schemeClr>
-            </a:gs>
-          </a:gsLst>
-          <a:path path="circle">
-            <a:fillToRect l="50000" t="50000" r="50000" b="50000"/>
-          </a:path>
-        </a:gradFill>
-      </a:bgFillStyleLst>
-    </a:fmtScheme>
-  </a:themeElements>
-</a:theme>
 </file>